--- a/LDP云平台部产品开发迭代流程.pptx
+++ b/LDP云平台部产品开发迭代流程.pptx
@@ -3063,6 +3063,13 @@
         </dgm:presLayoutVars>
       </dgm:prSet>
       <dgm:spPr/>
+      <dgm:t>
+        <a:bodyPr/>
+        <a:lstStyle/>
+        <a:p>
+          <a:endParaRPr lang="zh-CN" altLang="en-US"/>
+        </a:p>
+      </dgm:t>
     </dgm:pt>
     <dgm:pt modelId="{45D90C5C-BCD6-334A-8916-E20AEC6CB0F9}" type="pres">
       <dgm:prSet presAssocID="{39E09B9E-D038-8B49-8E99-ACA25F0B5699}" presName="parSpace" presStyleCnt="0"/>
@@ -3075,6 +3082,13 @@
         </dgm:presLayoutVars>
       </dgm:prSet>
       <dgm:spPr/>
+      <dgm:t>
+        <a:bodyPr/>
+        <a:lstStyle/>
+        <a:p>
+          <a:endParaRPr lang="zh-CN" altLang="en-US"/>
+        </a:p>
+      </dgm:t>
     </dgm:pt>
     <dgm:pt modelId="{8B230DDE-C5C8-D84C-A38F-E0D52A7D63EF}" type="pres">
       <dgm:prSet presAssocID="{0D2AF095-CFBA-6349-80AA-F4CD1DB8C60D}" presName="parSpace" presStyleCnt="0"/>
@@ -3087,6 +3101,13 @@
         </dgm:presLayoutVars>
       </dgm:prSet>
       <dgm:spPr/>
+      <dgm:t>
+        <a:bodyPr/>
+        <a:lstStyle/>
+        <a:p>
+          <a:endParaRPr lang="zh-CN" altLang="en-US"/>
+        </a:p>
+      </dgm:t>
     </dgm:pt>
   </dgm:ptLst>
   <dgm:cxnLst>
@@ -3247,6 +3268,13 @@
         </dgm:presLayoutVars>
       </dgm:prSet>
       <dgm:spPr/>
+      <dgm:t>
+        <a:bodyPr/>
+        <a:lstStyle/>
+        <a:p>
+          <a:endParaRPr lang="zh-CN" altLang="en-US"/>
+        </a:p>
+      </dgm:t>
     </dgm:pt>
     <dgm:pt modelId="{45D90C5C-BCD6-334A-8916-E20AEC6CB0F9}" type="pres">
       <dgm:prSet presAssocID="{39E09B9E-D038-8B49-8E99-ACA25F0B5699}" presName="parSpace" presStyleCnt="0"/>
@@ -3259,6 +3287,13 @@
         </dgm:presLayoutVars>
       </dgm:prSet>
       <dgm:spPr/>
+      <dgm:t>
+        <a:bodyPr/>
+        <a:lstStyle/>
+        <a:p>
+          <a:endParaRPr lang="zh-CN" altLang="en-US"/>
+        </a:p>
+      </dgm:t>
     </dgm:pt>
     <dgm:pt modelId="{8B230DDE-C5C8-D84C-A38F-E0D52A7D63EF}" type="pres">
       <dgm:prSet presAssocID="{0D2AF095-CFBA-6349-80AA-F4CD1DB8C60D}" presName="parSpace" presStyleCnt="0"/>
@@ -3271,6 +3306,13 @@
         </dgm:presLayoutVars>
       </dgm:prSet>
       <dgm:spPr/>
+      <dgm:t>
+        <a:bodyPr/>
+        <a:lstStyle/>
+        <a:p>
+          <a:endParaRPr lang="zh-CN" altLang="en-US"/>
+        </a:p>
+      </dgm:t>
     </dgm:pt>
   </dgm:ptLst>
   <dgm:cxnLst>
@@ -3431,6 +3473,13 @@
         </dgm:presLayoutVars>
       </dgm:prSet>
       <dgm:spPr/>
+      <dgm:t>
+        <a:bodyPr/>
+        <a:lstStyle/>
+        <a:p>
+          <a:endParaRPr lang="zh-CN" altLang="en-US"/>
+        </a:p>
+      </dgm:t>
     </dgm:pt>
     <dgm:pt modelId="{45D90C5C-BCD6-334A-8916-E20AEC6CB0F9}" type="pres">
       <dgm:prSet presAssocID="{39E09B9E-D038-8B49-8E99-ACA25F0B5699}" presName="parSpace" presStyleCnt="0"/>
@@ -3443,6 +3492,13 @@
         </dgm:presLayoutVars>
       </dgm:prSet>
       <dgm:spPr/>
+      <dgm:t>
+        <a:bodyPr/>
+        <a:lstStyle/>
+        <a:p>
+          <a:endParaRPr lang="zh-CN" altLang="en-US"/>
+        </a:p>
+      </dgm:t>
     </dgm:pt>
     <dgm:pt modelId="{8B230DDE-C5C8-D84C-A38F-E0D52A7D63EF}" type="pres">
       <dgm:prSet presAssocID="{0D2AF095-CFBA-6349-80AA-F4CD1DB8C60D}" presName="parSpace" presStyleCnt="0"/>
@@ -3455,6 +3511,13 @@
         </dgm:presLayoutVars>
       </dgm:prSet>
       <dgm:spPr/>
+      <dgm:t>
+        <a:bodyPr/>
+        <a:lstStyle/>
+        <a:p>
+          <a:endParaRPr lang="zh-CN" altLang="en-US"/>
+        </a:p>
+      </dgm:t>
     </dgm:pt>
   </dgm:ptLst>
   <dgm:cxnLst>
@@ -8220,7 +8283,7 @@
             <a:fld id="{4F60BA6F-AAEA-439B-9AA4-60C4B033B69E}" type="datetimeFigureOut">
               <a:rPr lang="zh-CN" altLang="en-US" smtClean="0"/>
               <a:pPr/>
-              <a:t>16/1/27</a:t>
+              <a:t>16/7/11</a:t>
             </a:fld>
             <a:endParaRPr lang="zh-CN" altLang="en-US"/>
           </a:p>
@@ -8387,7 +8450,7 @@
             <a:fld id="{BE33F3C9-4DE5-410E-AF7E-FF1CBF9F030D}" type="datetimeFigureOut">
               <a:rPr lang="zh-CN" altLang="en-US" smtClean="0"/>
               <a:pPr/>
-              <a:t>16/1/27</a:t>
+              <a:t>16/7/11</a:t>
             </a:fld>
             <a:endParaRPr lang="zh-CN" altLang="en-US"/>
           </a:p>
@@ -8873,7 +8936,7 @@
             <a:fld id="{D6AFAA99-E689-4640-B180-1BCCC2BDEE08}" type="datetimeFigureOut">
               <a:rPr lang="zh-CN" altLang="en-US" smtClean="0"/>
               <a:pPr/>
-              <a:t>16/1/27</a:t>
+              <a:t>16/7/11</a:t>
             </a:fld>
             <a:endParaRPr lang="zh-CN" altLang="en-US"/>
           </a:p>
@@ -9006,7 +9069,7 @@
                 </a:solidFill>
               </a:rPr>
               <a:pPr/>
-              <a:t>16/1/27</a:t>
+              <a:t>16/7/11</a:t>
             </a:fld>
             <a:endParaRPr lang="zh-CN" altLang="en-US">
               <a:solidFill>
@@ -9203,7 +9266,7 @@
                 </a:solidFill>
               </a:rPr>
               <a:pPr/>
-              <a:t>16/1/27</a:t>
+              <a:t>16/7/11</a:t>
             </a:fld>
             <a:endParaRPr lang="zh-CN" altLang="en-US">
               <a:solidFill>
@@ -9360,7 +9423,7 @@
                 </a:solidFill>
               </a:rPr>
               <a:pPr/>
-              <a:t>16/1/27</a:t>
+              <a:t>16/7/11</a:t>
             </a:fld>
             <a:endParaRPr lang="zh-CN" altLang="en-US">
               <a:solidFill>
@@ -9557,7 +9620,7 @@
                 </a:solidFill>
               </a:rPr>
               <a:pPr/>
-              <a:t>16/1/27</a:t>
+              <a:t>16/7/11</a:t>
             </a:fld>
             <a:endParaRPr lang="zh-CN" altLang="en-US">
               <a:solidFill>
@@ -9761,7 +9824,7 @@
                 </a:solidFill>
               </a:rPr>
               <a:pPr/>
-              <a:t>16/1/27</a:t>
+              <a:t>16/7/11</a:t>
             </a:fld>
             <a:endParaRPr lang="zh-CN" altLang="en-US">
               <a:solidFill>
@@ -9965,7 +10028,7 @@
                 </a:solidFill>
               </a:rPr>
               <a:pPr/>
-              <a:t>16/1/27</a:t>
+              <a:t>16/7/11</a:t>
             </a:fld>
             <a:endParaRPr lang="zh-CN" altLang="en-US">
               <a:solidFill>
@@ -10169,7 +10232,7 @@
                 </a:solidFill>
               </a:rPr>
               <a:pPr/>
-              <a:t>16/1/27</a:t>
+              <a:t>16/7/11</a:t>
             </a:fld>
             <a:endParaRPr lang="zh-CN" altLang="en-US">
               <a:solidFill>
@@ -10400,7 +10463,7 @@
                 </a:solidFill>
               </a:rPr>
               <a:pPr/>
-              <a:t>16/1/27</a:t>
+              <a:t>16/7/11</a:t>
             </a:fld>
             <a:endParaRPr lang="zh-CN" altLang="en-US">
               <a:solidFill>
@@ -10609,7 +10672,7 @@
                 </a:solidFill>
               </a:rPr>
               <a:pPr/>
-              <a:t>16/1/27</a:t>
+              <a:t>16/7/11</a:t>
             </a:fld>
             <a:endParaRPr lang="zh-CN" altLang="en-US">
               <a:solidFill>
@@ -10796,7 +10859,7 @@
                 </a:solidFill>
               </a:rPr>
               <a:pPr/>
-              <a:t>16/1/27</a:t>
+              <a:t>16/7/11</a:t>
             </a:fld>
             <a:endParaRPr lang="zh-CN" altLang="en-US">
               <a:solidFill>
@@ -10992,7 +11055,7 @@
             <a:fld id="{D6AFAA99-E689-4640-B180-1BCCC2BDEE08}" type="datetimeFigureOut">
               <a:rPr lang="zh-CN" altLang="en-US" smtClean="0"/>
               <a:pPr/>
-              <a:t>16/1/27</a:t>
+              <a:t>16/7/11</a:t>
             </a:fld>
             <a:endParaRPr lang="zh-CN" altLang="en-US"/>
           </a:p>
@@ -11155,7 +11218,7 @@
                 </a:solidFill>
               </a:rPr>
               <a:pPr/>
-              <a:t>16/1/27</a:t>
+              <a:t>16/7/11</a:t>
             </a:fld>
             <a:endParaRPr lang="zh-CN" altLang="en-US">
               <a:solidFill>
@@ -11352,7 +11415,7 @@
                 </a:solidFill>
               </a:rPr>
               <a:pPr/>
-              <a:t>16/1/27</a:t>
+              <a:t>16/7/11</a:t>
             </a:fld>
             <a:endParaRPr lang="zh-CN" altLang="en-US">
               <a:solidFill>
@@ -11509,7 +11572,7 @@
                 </a:solidFill>
               </a:rPr>
               <a:pPr/>
-              <a:t>16/1/27</a:t>
+              <a:t>16/7/11</a:t>
             </a:fld>
             <a:endParaRPr lang="zh-CN" altLang="en-US">
               <a:solidFill>
@@ -11659,7 +11722,7 @@
                 </a:solidFill>
               </a:rPr>
               <a:pPr/>
-              <a:t>16/1/27</a:t>
+              <a:t>16/7/11</a:t>
             </a:fld>
             <a:endParaRPr lang="zh-CN" altLang="en-US">
               <a:solidFill>
@@ -11856,7 +11919,7 @@
                 </a:solidFill>
               </a:rPr>
               <a:pPr/>
-              <a:t>16/1/27</a:t>
+              <a:t>16/7/11</a:t>
             </a:fld>
             <a:endParaRPr lang="zh-CN" altLang="en-US">
               <a:solidFill>
@@ -12013,7 +12076,7 @@
                 </a:solidFill>
               </a:rPr>
               <a:pPr/>
-              <a:t>16/1/27</a:t>
+              <a:t>16/7/11</a:t>
             </a:fld>
             <a:endParaRPr lang="zh-CN" altLang="en-US">
               <a:solidFill>
@@ -12210,7 +12273,7 @@
                 </a:solidFill>
               </a:rPr>
               <a:pPr/>
-              <a:t>16/1/27</a:t>
+              <a:t>16/7/11</a:t>
             </a:fld>
             <a:endParaRPr lang="zh-CN" altLang="en-US">
               <a:solidFill>
@@ -12414,7 +12477,7 @@
                 </a:solidFill>
               </a:rPr>
               <a:pPr/>
-              <a:t>16/1/27</a:t>
+              <a:t>16/7/11</a:t>
             </a:fld>
             <a:endParaRPr lang="zh-CN" altLang="en-US">
               <a:solidFill>
@@ -12632,7 +12695,7 @@
                 </a:solidFill>
               </a:rPr>
               <a:pPr/>
-              <a:t>16/1/27</a:t>
+              <a:t>16/7/11</a:t>
             </a:fld>
             <a:endParaRPr lang="zh-CN" altLang="en-US">
               <a:solidFill>
@@ -12769,7 +12832,7 @@
             <a:fld id="{9ED97C3E-F1CE-4C91-98E9-7997DC916CD7}" type="datetimeFigureOut">
               <a:rPr lang="zh-CN" altLang="en-US" smtClean="0"/>
               <a:pPr/>
-              <a:t>16/1/27</a:t>
+              <a:t>16/7/11</a:t>
             </a:fld>
             <a:endParaRPr lang="zh-CN" altLang="en-US"/>
           </a:p>
@@ -12967,7 +13030,7 @@
                 </a:solidFill>
               </a:rPr>
               <a:pPr/>
-              <a:t>16/1/27</a:t>
+              <a:t>16/7/11</a:t>
             </a:fld>
             <a:endParaRPr lang="zh-CN" altLang="en-US">
               <a:solidFill>
@@ -13108,7 +13171,7 @@
                 </a:solidFill>
               </a:rPr>
               <a:pPr/>
-              <a:t>16/1/27</a:t>
+              <a:t>16/7/11</a:t>
             </a:fld>
             <a:endParaRPr lang="zh-CN" altLang="en-US">
               <a:solidFill>
@@ -13314,7 +13377,7 @@
                 </a:solidFill>
               </a:rPr>
               <a:pPr/>
-              <a:t>16/1/27</a:t>
+              <a:t>16/7/11</a:t>
             </a:fld>
             <a:endParaRPr lang="zh-CN" altLang="en-US">
               <a:solidFill>
@@ -13464,7 +13527,7 @@
                 </a:solidFill>
               </a:rPr>
               <a:pPr/>
-              <a:t>16/1/27</a:t>
+              <a:t>16/7/11</a:t>
             </a:fld>
             <a:endParaRPr lang="zh-CN" altLang="en-US">
               <a:solidFill>
@@ -13661,7 +13724,7 @@
                 </a:solidFill>
               </a:rPr>
               <a:pPr/>
-              <a:t>16/1/27</a:t>
+              <a:t>16/7/11</a:t>
             </a:fld>
             <a:endParaRPr lang="zh-CN" altLang="en-US">
               <a:solidFill>
@@ -13951,7 +14014,7 @@
                 </a:solidFill>
               </a:rPr>
               <a:pPr/>
-              <a:t>16/1/27</a:t>
+              <a:t>16/7/11</a:t>
             </a:fld>
             <a:endParaRPr lang="zh-CN" altLang="en-US">
               <a:solidFill>
@@ -14148,7 +14211,7 @@
                 </a:solidFill>
               </a:rPr>
               <a:pPr/>
-              <a:t>16/1/27</a:t>
+              <a:t>16/7/11</a:t>
             </a:fld>
             <a:endParaRPr lang="zh-CN" altLang="en-US">
               <a:solidFill>
@@ -14394,7 +14457,7 @@
             <a:fld id="{D6AFAA99-E689-4640-B180-1BCCC2BDEE08}" type="datetimeFigureOut">
               <a:rPr lang="zh-CN" altLang="en-US" smtClean="0"/>
               <a:pPr/>
-              <a:t>16/1/27</a:t>
+              <a:t>16/7/11</a:t>
             </a:fld>
             <a:endParaRPr lang="zh-CN" altLang="en-US"/>
           </a:p>
@@ -14984,7 +15047,7 @@
                 </a:solidFill>
               </a:rPr>
               <a:pPr/>
-              <a:t>16/1/27</a:t>
+              <a:t>16/7/11</a:t>
             </a:fld>
             <a:endParaRPr lang="zh-CN" altLang="en-US">
               <a:solidFill>
@@ -16707,15 +16770,7 @@
             </a:r>
             <a:r>
               <a:rPr lang="zh-CN" altLang="en-US" sz="3600" b="1" dirty="0" smtClean="0"/>
-              <a:t>云平台部</a:t>
-            </a:r>
-            <a:r>
-              <a:rPr lang="zh-CN" altLang="en-US" sz="3600" b="1" dirty="0" smtClean="0"/>
-              <a:t>产品</a:t>
-            </a:r>
-            <a:r>
-              <a:rPr lang="zh-CN" altLang="en-US" sz="3600" b="1" dirty="0" smtClean="0"/>
-              <a:t>研发迭代流程</a:t>
+              <a:t>云平台部产品研发迭代流程</a:t>
             </a:r>
           </a:p>
         </p:txBody>
@@ -17154,15 +17209,7 @@
                 <a:ea typeface="Microsoft YaHei" charset="0"/>
                 <a:cs typeface="Microsoft YaHei" charset="0"/>
               </a:rPr>
-              <a:t>＊</a:t>
-            </a:r>
-            <a:r>
-              <a:rPr kumimoji="1" lang="zh-CN" altLang="en-US" dirty="0" smtClean="0">
-                <a:latin typeface="Microsoft YaHei" charset="0"/>
-                <a:ea typeface="Microsoft YaHei" charset="0"/>
-                <a:cs typeface="Microsoft YaHei" charset="0"/>
-              </a:rPr>
-              <a:t>黑体</a:t>
+              <a:t>＊黑体</a:t>
             </a:r>
             <a:r>
               <a:rPr kumimoji="1" lang="zh-CN" altLang="en-US" smtClean="0">
@@ -18379,7 +18426,7 @@
                 <a:latin typeface="微软雅黑" panose="020B0503020204020204" pitchFamily="34" charset="-122"/>
                 <a:ea typeface="微软雅黑" panose="020B0503020204020204" pitchFamily="34" charset="-122"/>
               </a:rPr>
-              <a:t>我们采用敏捷开发</a:t>
+              <a:t>敏捷宣言</a:t>
             </a:r>
             <a:endParaRPr lang="zh-CN" altLang="en-US" sz="2800" dirty="0">
               <a:solidFill>
@@ -18549,17 +18596,7 @@
                 <a:latin typeface="微软雅黑" panose="020B0503020204020204" pitchFamily="34" charset="-122"/>
                 <a:ea typeface="微软雅黑" panose="020B0503020204020204" pitchFamily="34" charset="-122"/>
               </a:rPr>
-              <a:t>快速</a:t>
-            </a:r>
-            <a:r>
-              <a:rPr lang="zh-CN" altLang="en-US" sz="2800" dirty="0" smtClean="0">
-                <a:solidFill>
-                  <a:schemeClr val="bg1"/>
-                </a:solidFill>
-                <a:latin typeface="微软雅黑" panose="020B0503020204020204" pitchFamily="34" charset="-122"/>
-                <a:ea typeface="微软雅黑" panose="020B0503020204020204" pitchFamily="34" charset="-122"/>
-              </a:rPr>
-              <a:t>迭代</a:t>
+              <a:t>快速迭代</a:t>
             </a:r>
             <a:endParaRPr lang="zh-CN" altLang="en-US" sz="2800" dirty="0">
               <a:solidFill>
@@ -18640,7 +18677,7 @@
         <p:spPr>
           <a:xfrm>
             <a:off x="165101" y="4250297"/>
-            <a:ext cx="11607800" cy="1338828"/>
+            <a:ext cx="11607800" cy="1754326"/>
           </a:xfrm>
           <a:prstGeom prst="rect">
             <a:avLst/>
@@ -18690,7 +18727,17 @@
                 <a:latin typeface="微软雅黑" panose="020B0503020204020204" pitchFamily="34" charset="-122"/>
                 <a:ea typeface="微软雅黑" panose="020B0503020204020204" pitchFamily="34" charset="-122"/>
               </a:rPr>
-              <a:t>开发阶段：</a:t>
+              <a:t>开发阶段</a:t>
+            </a:r>
+            <a:r>
+              <a:rPr lang="zh-CN" altLang="en-US" b="1" dirty="0" smtClean="0">
+                <a:solidFill>
+                  <a:srgbClr val="FF0000"/>
+                </a:solidFill>
+                <a:latin typeface="微软雅黑" panose="020B0503020204020204" pitchFamily="34" charset="-122"/>
+                <a:ea typeface="微软雅黑" panose="020B0503020204020204" pitchFamily="34" charset="-122"/>
+              </a:rPr>
+              <a:t>：</a:t>
             </a:r>
             <a:r>
               <a:rPr lang="en-US" altLang="zh-CN" dirty="0" smtClean="0">
@@ -18704,7 +18751,28 @@
                 <a:latin typeface="微软雅黑" panose="020B0503020204020204" pitchFamily="34" charset="-122"/>
                 <a:ea typeface="微软雅黑" panose="020B0503020204020204" pitchFamily="34" charset="-122"/>
               </a:rPr>
-              <a:t>会议，技术架构更新、详细设计、开发、单元测试和持续集成，看板任务追踪</a:t>
+              <a:t>会议（</a:t>
+            </a:r>
+            <a:r>
+              <a:rPr lang="zh-CN" altLang="en-US" dirty="0" smtClean="0">
+                <a:latin typeface="微软雅黑" panose="020B0503020204020204" pitchFamily="34" charset="-122"/>
+                <a:ea typeface="微软雅黑" panose="020B0503020204020204" pitchFamily="34" charset="-122"/>
+              </a:rPr>
+              <a:t>小型迭代可以邮件代替）</a:t>
+            </a:r>
+            <a:r>
+              <a:rPr lang="zh-CN" altLang="en-US" dirty="0" smtClean="0">
+                <a:latin typeface="微软雅黑" panose="020B0503020204020204" pitchFamily="34" charset="-122"/>
+                <a:ea typeface="微软雅黑" panose="020B0503020204020204" pitchFamily="34" charset="-122"/>
+              </a:rPr>
+              <a:t>，</a:t>
+            </a:r>
+            <a:r>
+              <a:rPr lang="zh-CN" altLang="en-US" dirty="0" smtClean="0">
+                <a:latin typeface="微软雅黑" panose="020B0503020204020204" pitchFamily="34" charset="-122"/>
+                <a:ea typeface="微软雅黑" panose="020B0503020204020204" pitchFamily="34" charset="-122"/>
+              </a:rPr>
+              <a:t>技术架构更新、详细设计、开发、单元测试和持续集成，看板任务追踪</a:t>
             </a:r>
           </a:p>
           <a:p>
@@ -18728,7 +18796,21 @@
                 <a:latin typeface="微软雅黑" panose="020B0503020204020204" pitchFamily="34" charset="-122"/>
                 <a:ea typeface="微软雅黑" panose="020B0503020204020204" pitchFamily="34" charset="-122"/>
               </a:rPr>
-              <a:t>决定上线范围，预上线验证，召开全体交付会议，生产系统发布并验证</a:t>
+              <a:t>决定上线范围，预上线验证，召开全体交付会议，生产系统发布并</a:t>
+            </a:r>
+            <a:r>
+              <a:rPr lang="zh-CN" altLang="en-US" dirty="0" smtClean="0">
+                <a:latin typeface="微软雅黑" panose="020B0503020204020204" pitchFamily="34" charset="-122"/>
+                <a:ea typeface="微软雅黑" panose="020B0503020204020204" pitchFamily="34" charset="-122"/>
+              </a:rPr>
+              <a:t>验证，</a:t>
+            </a:r>
+            <a:r>
+              <a:rPr lang="zh-CN" altLang="en-US" dirty="0" smtClean="0">
+                <a:latin typeface="微软雅黑" panose="020B0503020204020204" pitchFamily="34" charset="-122"/>
+                <a:ea typeface="微软雅黑" panose="020B0503020204020204" pitchFamily="34" charset="-122"/>
+              </a:rPr>
+              <a:t>发布说明</a:t>
             </a:r>
             <a:endParaRPr lang="zh-CN" altLang="en-US" dirty="0">
               <a:latin typeface="微软雅黑" panose="020B0503020204020204" pitchFamily="34" charset="-122"/>
@@ -18867,7 +18949,14 @@
                 <a:latin typeface="微软雅黑" panose="020B0503020204020204" pitchFamily="34" charset="-122"/>
                 <a:ea typeface="微软雅黑" panose="020B0503020204020204" pitchFamily="34" charset="-122"/>
               </a:rPr>
-              <a:t>需求文档、原型</a:t>
+              <a:t>需求文档、</a:t>
+            </a:r>
+            <a:r>
+              <a:rPr lang="zh-CN" altLang="en-US" b="1" dirty="0" smtClean="0">
+                <a:latin typeface="微软雅黑" panose="020B0503020204020204" pitchFamily="34" charset="-122"/>
+                <a:ea typeface="微软雅黑" panose="020B0503020204020204" pitchFamily="34" charset="-122"/>
+              </a:rPr>
+              <a:t>原型</a:t>
             </a:r>
             <a:endParaRPr lang="zh-CN" altLang="en-US" dirty="0">
               <a:latin typeface="微软雅黑" panose="020B0503020204020204" pitchFamily="34" charset="-122"/>
@@ -18887,14 +18976,35 @@
                 <a:latin typeface="微软雅黑" panose="020B0503020204020204" pitchFamily="34" charset="-122"/>
                 <a:ea typeface="微软雅黑" panose="020B0503020204020204" pitchFamily="34" charset="-122"/>
               </a:rPr>
-              <a:t>产品经理与技术经理进行讨论后共同制定</a:t>
+              <a:t>有产品经理准备好上述文档，完成需求评审后确定</a:t>
             </a:r>
             <a:r>
               <a:rPr lang="zh-CN" altLang="en-US" b="1" dirty="0" smtClean="0">
                 <a:latin typeface="微软雅黑" panose="020B0503020204020204" pitchFamily="34" charset="-122"/>
                 <a:ea typeface="微软雅黑" panose="020B0503020204020204" pitchFamily="34" charset="-122"/>
               </a:rPr>
-              <a:t>优先级和本次迭代开发范围</a:t>
+              <a:t>优先级，</a:t>
+            </a:r>
+            <a:r>
+              <a:rPr lang="zh-CN" altLang="en-US" b="1" dirty="0" smtClean="0">
+                <a:latin typeface="微软雅黑" panose="020B0503020204020204" pitchFamily="34" charset="-122"/>
+                <a:ea typeface="微软雅黑" panose="020B0503020204020204" pitchFamily="34" charset="-122"/>
+              </a:rPr>
+              <a:t>进入看板</a:t>
+            </a:r>
+            <a:r>
+              <a:rPr lang="en-US" altLang="zh-CN" b="1" dirty="0" smtClean="0">
+                <a:latin typeface="微软雅黑" panose="020B0503020204020204" pitchFamily="34" charset="-122"/>
+                <a:ea typeface="微软雅黑" panose="020B0503020204020204" pitchFamily="34" charset="-122"/>
+              </a:rPr>
+              <a:t>TO DO</a:t>
+            </a:r>
+            <a:r>
+              <a:rPr lang="zh-CN" altLang="en-US" b="1" dirty="0" smtClean="0">
+                <a:latin typeface="微软雅黑" panose="020B0503020204020204" pitchFamily="34" charset="-122"/>
+                <a:ea typeface="微软雅黑" panose="020B0503020204020204" pitchFamily="34" charset="-122"/>
+              </a:rPr>
+              <a:t>列表</a:t>
             </a:r>
             <a:endParaRPr lang="zh-CN" altLang="en-US" dirty="0">
               <a:latin typeface="微软雅黑" panose="020B0503020204020204" pitchFamily="34" charset="-122"/>
@@ -18914,14 +19024,49 @@
                 <a:latin typeface="微软雅黑" panose="020B0503020204020204" pitchFamily="34" charset="-122"/>
                 <a:ea typeface="微软雅黑" panose="020B0503020204020204" pitchFamily="34" charset="-122"/>
               </a:rPr>
-              <a:t>由技术经理完成</a:t>
+              <a:t>由</a:t>
+            </a:r>
+            <a:r>
+              <a:rPr lang="zh-CN" altLang="en-US" dirty="0" smtClean="0">
+                <a:latin typeface="微软雅黑" panose="020B0503020204020204" pitchFamily="34" charset="-122"/>
+                <a:ea typeface="微软雅黑" panose="020B0503020204020204" pitchFamily="34" charset="-122"/>
+              </a:rPr>
+              <a:t>开发</a:t>
+            </a:r>
+            <a:r>
+              <a:rPr lang="zh-CN" altLang="en-US" dirty="0" smtClean="0">
+                <a:latin typeface="微软雅黑" panose="020B0503020204020204" pitchFamily="34" charset="-122"/>
+                <a:ea typeface="微软雅黑" panose="020B0503020204020204" pitchFamily="34" charset="-122"/>
+              </a:rPr>
+              <a:t>经理</a:t>
+            </a:r>
+            <a:r>
+              <a:rPr lang="zh-CN" altLang="en-US" dirty="0" smtClean="0">
+                <a:latin typeface="微软雅黑" panose="020B0503020204020204" pitchFamily="34" charset="-122"/>
+                <a:ea typeface="微软雅黑" panose="020B0503020204020204" pitchFamily="34" charset="-122"/>
+              </a:rPr>
+              <a:t>完成</a:t>
             </a:r>
             <a:r>
               <a:rPr lang="zh-CN" altLang="en-US" b="1" dirty="0" smtClean="0">
                 <a:latin typeface="微软雅黑" panose="020B0503020204020204" pitchFamily="34" charset="-122"/>
                 <a:ea typeface="微软雅黑" panose="020B0503020204020204" pitchFamily="34" charset="-122"/>
               </a:rPr>
-              <a:t>开发计划</a:t>
+              <a:t>开发</a:t>
+            </a:r>
+            <a:r>
+              <a:rPr lang="zh-CN" altLang="en-US" b="1" dirty="0" smtClean="0">
+                <a:latin typeface="微软雅黑" panose="020B0503020204020204" pitchFamily="34" charset="-122"/>
+                <a:ea typeface="微软雅黑" panose="020B0503020204020204" pitchFamily="34" charset="-122"/>
+              </a:rPr>
+              <a:t>计划，</a:t>
+            </a:r>
+            <a:r>
+              <a:rPr lang="zh-CN" altLang="en-US" b="1" dirty="0" smtClean="0">
+                <a:latin typeface="微软雅黑" panose="020B0503020204020204" pitchFamily="34" charset="-122"/>
+                <a:ea typeface="微软雅黑" panose="020B0503020204020204" pitchFamily="34" charset="-122"/>
+              </a:rPr>
+              <a:t>在开发计划中确定本地迭代的目标和范围</a:t>
             </a:r>
             <a:endParaRPr lang="zh-CN" altLang="en-US" dirty="0">
               <a:latin typeface="微软雅黑" panose="020B0503020204020204" pitchFamily="34" charset="-122"/>
@@ -19007,15 +19152,7 @@
                 <a:ea typeface="Microsoft YaHei" charset="0"/>
                 <a:cs typeface="Microsoft YaHei" charset="0"/>
               </a:rPr>
-              <a:t>＊</a:t>
-            </a:r>
-            <a:r>
-              <a:rPr kumimoji="1" lang="zh-CN" altLang="en-US" dirty="0" smtClean="0">
-                <a:latin typeface="Microsoft YaHei" charset="0"/>
-                <a:ea typeface="Microsoft YaHei" charset="0"/>
-                <a:cs typeface="Microsoft YaHei" charset="0"/>
-              </a:rPr>
-              <a:t>黑体</a:t>
+              <a:t>＊黑体</a:t>
             </a:r>
             <a:r>
               <a:rPr kumimoji="1" lang="zh-CN" altLang="en-US" smtClean="0">
@@ -19092,7 +19229,13 @@
           <p:cNvGraphicFramePr>
             <a:graphicFrameLocks noGrp="1"/>
           </p:cNvGraphicFramePr>
-          <p:nvPr/>
+          <p:nvPr>
+            <p:extLst>
+              <p:ext uri="{D42A27DB-BD31-4B8C-83A1-F6EECF244321}">
+                <p14:modId xmlns:p14="http://schemas.microsoft.com/office/powerpoint/2010/main" val="922549452"/>
+              </p:ext>
+            </p:extLst>
+          </p:nvPr>
         </p:nvGraphicFramePr>
         <p:xfrm>
           <a:off x="431797" y="1202266"/>
@@ -19324,7 +19467,7 @@
                           <a:ea typeface="Microsoft YaHei" charset="0"/>
                           <a:cs typeface="Microsoft YaHei" charset="0"/>
                         </a:rPr>
-                        <a:t>产品经理</a:t>
+                        <a:t>交互设计师、视觉设计师</a:t>
                       </a:r>
                       <a:endParaRPr lang="zh-CN" altLang="en-US" dirty="0">
                         <a:latin typeface="Microsoft YaHei" charset="0"/>
@@ -19340,6 +19483,14 @@
                     <a:bodyPr/>
                     <a:lstStyle/>
                     <a:p>
+                      <a:r>
+                        <a:rPr lang="zh-CN" altLang="en-US" dirty="0" smtClean="0">
+                          <a:latin typeface="Microsoft YaHei" charset="0"/>
+                          <a:ea typeface="Microsoft YaHei" charset="0"/>
+                          <a:cs typeface="Microsoft YaHei" charset="0"/>
+                        </a:rPr>
+                        <a:t>原型、设计图</a:t>
+                      </a:r>
                       <a:endParaRPr lang="zh-CN" altLang="en-US" dirty="0">
                         <a:latin typeface="Microsoft YaHei" charset="0"/>
                         <a:ea typeface="Microsoft YaHei" charset="0"/>
@@ -19384,7 +19535,15 @@
                           <a:ea typeface="Microsoft YaHei" charset="0"/>
                           <a:cs typeface="Microsoft YaHei" charset="0"/>
                         </a:rPr>
-                        <a:t>优先级和迭代范围</a:t>
+                        <a:t>优先</a:t>
+                      </a:r>
+                      <a:r>
+                        <a:rPr lang="zh-CN" altLang="en-US" dirty="0" smtClean="0">
+                          <a:latin typeface="Microsoft YaHei" charset="0"/>
+                          <a:ea typeface="Microsoft YaHei" charset="0"/>
+                          <a:cs typeface="Microsoft YaHei" charset="0"/>
+                        </a:rPr>
+                        <a:t>级</a:t>
                       </a:r>
                       <a:endParaRPr lang="zh-CN" altLang="en-US" dirty="0">
                         <a:latin typeface="Microsoft YaHei" charset="0"/>
@@ -19406,7 +19565,15 @@
                           <a:ea typeface="Microsoft YaHei" charset="0"/>
                           <a:cs typeface="Microsoft YaHei" charset="0"/>
                         </a:rPr>
-                        <a:t>产品经理和技术经理</a:t>
+                        <a:t>产品</a:t>
+                      </a:r>
+                      <a:r>
+                        <a:rPr lang="zh-CN" altLang="en-US" dirty="0" smtClean="0">
+                          <a:latin typeface="Microsoft YaHei" charset="0"/>
+                          <a:ea typeface="Microsoft YaHei" charset="0"/>
+                          <a:cs typeface="Microsoft YaHei" charset="0"/>
+                        </a:rPr>
+                        <a:t>经理</a:t>
                       </a:r>
                       <a:endParaRPr lang="zh-CN" altLang="en-US" dirty="0">
                         <a:latin typeface="Microsoft YaHei" charset="0"/>
@@ -19637,7 +19804,7 @@
         <p:spPr>
           <a:xfrm>
             <a:off x="182034" y="1049897"/>
-            <a:ext cx="11607800" cy="4247317"/>
+            <a:ext cx="11607800" cy="5078313"/>
           </a:xfrm>
           <a:prstGeom prst="rect">
             <a:avLst/>
@@ -19978,8 +20145,61 @@
                 <a:latin typeface="微软雅黑" panose="020B0503020204020204" pitchFamily="34" charset="-122"/>
                 <a:ea typeface="微软雅黑" panose="020B0503020204020204" pitchFamily="34" charset="-122"/>
               </a:rPr>
-              <a:t>大会后正式开始，规定的迭代周期截至时结束。</a:t>
+              <a:t>大会后正式开始，规定的迭代周期截至时结束</a:t>
             </a:r>
+            <a:r>
+              <a:rPr lang="zh-CN" altLang="en-US" dirty="0" smtClean="0">
+                <a:latin typeface="微软雅黑" panose="020B0503020204020204" pitchFamily="34" charset="-122"/>
+                <a:ea typeface="微软雅黑" panose="020B0503020204020204" pitchFamily="34" charset="-122"/>
+              </a:rPr>
+              <a:t>。</a:t>
+            </a:r>
+          </a:p>
+          <a:p>
+            <a:pPr>
+              <a:lnSpc>
+                <a:spcPct val="150000"/>
+              </a:lnSpc>
+            </a:pPr>
+            <a:r>
+              <a:rPr lang="zh-CN" altLang="en-US" dirty="0" smtClean="0">
+                <a:latin typeface="微软雅黑" panose="020B0503020204020204" pitchFamily="34" charset="-122"/>
+                <a:ea typeface="微软雅黑" panose="020B0503020204020204" pitchFamily="34" charset="-122"/>
+              </a:rPr>
+              <a:t>其他：</a:t>
+            </a:r>
+          </a:p>
+          <a:p>
+            <a:pPr>
+              <a:lnSpc>
+                <a:spcPct val="150000"/>
+              </a:lnSpc>
+            </a:pPr>
+            <a:r>
+              <a:rPr lang="zh-CN" altLang="en-US" dirty="0" smtClean="0">
+                <a:latin typeface="微软雅黑" panose="020B0503020204020204" pitchFamily="34" charset="-122"/>
+                <a:ea typeface="微软雅黑" panose="020B0503020204020204" pitchFamily="34" charset="-122"/>
+              </a:rPr>
+              <a:t>每次迭代预留</a:t>
+            </a:r>
+            <a:r>
+              <a:rPr lang="en-US" altLang="zh-CN" dirty="0" smtClean="0">
+                <a:latin typeface="微软雅黑" panose="020B0503020204020204" pitchFamily="34" charset="-122"/>
+                <a:ea typeface="微软雅黑" panose="020B0503020204020204" pitchFamily="34" charset="-122"/>
+              </a:rPr>
+              <a:t>20%</a:t>
+            </a:r>
+            <a:r>
+              <a:rPr lang="zh-CN" altLang="en-US" dirty="0" smtClean="0">
+                <a:latin typeface="微软雅黑" panose="020B0503020204020204" pitchFamily="34" charset="-122"/>
+                <a:ea typeface="微软雅黑" panose="020B0503020204020204" pitchFamily="34" charset="-122"/>
+              </a:rPr>
+              <a:t>的时间解决技术债务、优化架构和接口，完善文档。</a:t>
+            </a:r>
+            <a:endParaRPr lang="zh-CN" altLang="en-US" dirty="0">
+              <a:latin typeface="微软雅黑" panose="020B0503020204020204" pitchFamily="34" charset="-122"/>
+              <a:ea typeface="微软雅黑" panose="020B0503020204020204" pitchFamily="34" charset="-122"/>
+            </a:endParaRPr>
           </a:p>
         </p:txBody>
       </p:sp>
@@ -19991,7 +20211,7 @@
         </p:nvSpPr>
         <p:spPr>
           <a:xfrm>
-            <a:off x="182034" y="5943601"/>
+            <a:off x="182034" y="6229353"/>
             <a:ext cx="3344333" cy="369332"/>
           </a:xfrm>
           <a:prstGeom prst="rect">
@@ -20011,15 +20231,7 @@
                 <a:ea typeface="Microsoft YaHei" charset="0"/>
                 <a:cs typeface="Microsoft YaHei" charset="0"/>
               </a:rPr>
-              <a:t>＊</a:t>
-            </a:r>
-            <a:r>
-              <a:rPr kumimoji="1" lang="zh-CN" altLang="en-US" dirty="0" smtClean="0">
-                <a:latin typeface="Microsoft YaHei" charset="0"/>
-                <a:ea typeface="Microsoft YaHei" charset="0"/>
-                <a:cs typeface="Microsoft YaHei" charset="0"/>
-              </a:rPr>
-              <a:t>黑体</a:t>
+              <a:t>＊黑体</a:t>
             </a:r>
             <a:r>
               <a:rPr kumimoji="1" lang="zh-CN" altLang="en-US" smtClean="0">

--- a/LDP云平台部产品开发迭代流程.pptx
+++ b/LDP云平台部产品开发迭代流程.pptx
@@ -8283,7 +8283,7 @@
             <a:fld id="{4F60BA6F-AAEA-439B-9AA4-60C4B033B69E}" type="datetimeFigureOut">
               <a:rPr lang="zh-CN" altLang="en-US" smtClean="0"/>
               <a:pPr/>
-              <a:t>16/7/11</a:t>
+              <a:t>16/9/18</a:t>
             </a:fld>
             <a:endParaRPr lang="zh-CN" altLang="en-US"/>
           </a:p>
@@ -8450,7 +8450,7 @@
             <a:fld id="{BE33F3C9-4DE5-410E-AF7E-FF1CBF9F030D}" type="datetimeFigureOut">
               <a:rPr lang="zh-CN" altLang="en-US" smtClean="0"/>
               <a:pPr/>
-              <a:t>16/7/11</a:t>
+              <a:t>16/9/18</a:t>
             </a:fld>
             <a:endParaRPr lang="zh-CN" altLang="en-US"/>
           </a:p>
@@ -8936,7 +8936,7 @@
             <a:fld id="{D6AFAA99-E689-4640-B180-1BCCC2BDEE08}" type="datetimeFigureOut">
               <a:rPr lang="zh-CN" altLang="en-US" smtClean="0"/>
               <a:pPr/>
-              <a:t>16/7/11</a:t>
+              <a:t>16/9/18</a:t>
             </a:fld>
             <a:endParaRPr lang="zh-CN" altLang="en-US"/>
           </a:p>
@@ -9069,7 +9069,7 @@
                 </a:solidFill>
               </a:rPr>
               <a:pPr/>
-              <a:t>16/7/11</a:t>
+              <a:t>16/9/18</a:t>
             </a:fld>
             <a:endParaRPr lang="zh-CN" altLang="en-US">
               <a:solidFill>
@@ -9266,7 +9266,7 @@
                 </a:solidFill>
               </a:rPr>
               <a:pPr/>
-              <a:t>16/7/11</a:t>
+              <a:t>16/9/18</a:t>
             </a:fld>
             <a:endParaRPr lang="zh-CN" altLang="en-US">
               <a:solidFill>
@@ -9423,7 +9423,7 @@
                 </a:solidFill>
               </a:rPr>
               <a:pPr/>
-              <a:t>16/7/11</a:t>
+              <a:t>16/9/18</a:t>
             </a:fld>
             <a:endParaRPr lang="zh-CN" altLang="en-US">
               <a:solidFill>
@@ -9620,7 +9620,7 @@
                 </a:solidFill>
               </a:rPr>
               <a:pPr/>
-              <a:t>16/7/11</a:t>
+              <a:t>16/9/18</a:t>
             </a:fld>
             <a:endParaRPr lang="zh-CN" altLang="en-US">
               <a:solidFill>
@@ -9824,7 +9824,7 @@
                 </a:solidFill>
               </a:rPr>
               <a:pPr/>
-              <a:t>16/7/11</a:t>
+              <a:t>16/9/18</a:t>
             </a:fld>
             <a:endParaRPr lang="zh-CN" altLang="en-US">
               <a:solidFill>
@@ -10028,7 +10028,7 @@
                 </a:solidFill>
               </a:rPr>
               <a:pPr/>
-              <a:t>16/7/11</a:t>
+              <a:t>16/9/18</a:t>
             </a:fld>
             <a:endParaRPr lang="zh-CN" altLang="en-US">
               <a:solidFill>
@@ -10232,7 +10232,7 @@
                 </a:solidFill>
               </a:rPr>
               <a:pPr/>
-              <a:t>16/7/11</a:t>
+              <a:t>16/9/18</a:t>
             </a:fld>
             <a:endParaRPr lang="zh-CN" altLang="en-US">
               <a:solidFill>
@@ -10463,7 +10463,7 @@
                 </a:solidFill>
               </a:rPr>
               <a:pPr/>
-              <a:t>16/7/11</a:t>
+              <a:t>16/9/18</a:t>
             </a:fld>
             <a:endParaRPr lang="zh-CN" altLang="en-US">
               <a:solidFill>
@@ -10672,7 +10672,7 @@
                 </a:solidFill>
               </a:rPr>
               <a:pPr/>
-              <a:t>16/7/11</a:t>
+              <a:t>16/9/18</a:t>
             </a:fld>
             <a:endParaRPr lang="zh-CN" altLang="en-US">
               <a:solidFill>
@@ -10859,7 +10859,7 @@
                 </a:solidFill>
               </a:rPr>
               <a:pPr/>
-              <a:t>16/7/11</a:t>
+              <a:t>16/9/18</a:t>
             </a:fld>
             <a:endParaRPr lang="zh-CN" altLang="en-US">
               <a:solidFill>
@@ -11055,7 +11055,7 @@
             <a:fld id="{D6AFAA99-E689-4640-B180-1BCCC2BDEE08}" type="datetimeFigureOut">
               <a:rPr lang="zh-CN" altLang="en-US" smtClean="0"/>
               <a:pPr/>
-              <a:t>16/7/11</a:t>
+              <a:t>16/9/18</a:t>
             </a:fld>
             <a:endParaRPr lang="zh-CN" altLang="en-US"/>
           </a:p>
@@ -11218,7 +11218,7 @@
                 </a:solidFill>
               </a:rPr>
               <a:pPr/>
-              <a:t>16/7/11</a:t>
+              <a:t>16/9/18</a:t>
             </a:fld>
             <a:endParaRPr lang="zh-CN" altLang="en-US">
               <a:solidFill>
@@ -11415,7 +11415,7 @@
                 </a:solidFill>
               </a:rPr>
               <a:pPr/>
-              <a:t>16/7/11</a:t>
+              <a:t>16/9/18</a:t>
             </a:fld>
             <a:endParaRPr lang="zh-CN" altLang="en-US">
               <a:solidFill>
@@ -11572,7 +11572,7 @@
                 </a:solidFill>
               </a:rPr>
               <a:pPr/>
-              <a:t>16/7/11</a:t>
+              <a:t>16/9/18</a:t>
             </a:fld>
             <a:endParaRPr lang="zh-CN" altLang="en-US">
               <a:solidFill>
@@ -11722,7 +11722,7 @@
                 </a:solidFill>
               </a:rPr>
               <a:pPr/>
-              <a:t>16/7/11</a:t>
+              <a:t>16/9/18</a:t>
             </a:fld>
             <a:endParaRPr lang="zh-CN" altLang="en-US">
               <a:solidFill>
@@ -11919,7 +11919,7 @@
                 </a:solidFill>
               </a:rPr>
               <a:pPr/>
-              <a:t>16/7/11</a:t>
+              <a:t>16/9/18</a:t>
             </a:fld>
             <a:endParaRPr lang="zh-CN" altLang="en-US">
               <a:solidFill>
@@ -12076,7 +12076,7 @@
                 </a:solidFill>
               </a:rPr>
               <a:pPr/>
-              <a:t>16/7/11</a:t>
+              <a:t>16/9/18</a:t>
             </a:fld>
             <a:endParaRPr lang="zh-CN" altLang="en-US">
               <a:solidFill>
@@ -12273,7 +12273,7 @@
                 </a:solidFill>
               </a:rPr>
               <a:pPr/>
-              <a:t>16/7/11</a:t>
+              <a:t>16/9/18</a:t>
             </a:fld>
             <a:endParaRPr lang="zh-CN" altLang="en-US">
               <a:solidFill>
@@ -12477,7 +12477,7 @@
                 </a:solidFill>
               </a:rPr>
               <a:pPr/>
-              <a:t>16/7/11</a:t>
+              <a:t>16/9/18</a:t>
             </a:fld>
             <a:endParaRPr lang="zh-CN" altLang="en-US">
               <a:solidFill>
@@ -12695,7 +12695,7 @@
                 </a:solidFill>
               </a:rPr>
               <a:pPr/>
-              <a:t>16/7/11</a:t>
+              <a:t>16/9/18</a:t>
             </a:fld>
             <a:endParaRPr lang="zh-CN" altLang="en-US">
               <a:solidFill>
@@ -12832,7 +12832,7 @@
             <a:fld id="{9ED97C3E-F1CE-4C91-98E9-7997DC916CD7}" type="datetimeFigureOut">
               <a:rPr lang="zh-CN" altLang="en-US" smtClean="0"/>
               <a:pPr/>
-              <a:t>16/7/11</a:t>
+              <a:t>16/9/18</a:t>
             </a:fld>
             <a:endParaRPr lang="zh-CN" altLang="en-US"/>
           </a:p>
@@ -13030,7 +13030,7 @@
                 </a:solidFill>
               </a:rPr>
               <a:pPr/>
-              <a:t>16/7/11</a:t>
+              <a:t>16/9/18</a:t>
             </a:fld>
             <a:endParaRPr lang="zh-CN" altLang="en-US">
               <a:solidFill>
@@ -13171,7 +13171,7 @@
                 </a:solidFill>
               </a:rPr>
               <a:pPr/>
-              <a:t>16/7/11</a:t>
+              <a:t>16/9/18</a:t>
             </a:fld>
             <a:endParaRPr lang="zh-CN" altLang="en-US">
               <a:solidFill>
@@ -13377,7 +13377,7 @@
                 </a:solidFill>
               </a:rPr>
               <a:pPr/>
-              <a:t>16/7/11</a:t>
+              <a:t>16/9/18</a:t>
             </a:fld>
             <a:endParaRPr lang="zh-CN" altLang="en-US">
               <a:solidFill>
@@ -13527,7 +13527,7 @@
                 </a:solidFill>
               </a:rPr>
               <a:pPr/>
-              <a:t>16/7/11</a:t>
+              <a:t>16/9/18</a:t>
             </a:fld>
             <a:endParaRPr lang="zh-CN" altLang="en-US">
               <a:solidFill>
@@ -13724,7 +13724,7 @@
                 </a:solidFill>
               </a:rPr>
               <a:pPr/>
-              <a:t>16/7/11</a:t>
+              <a:t>16/9/18</a:t>
             </a:fld>
             <a:endParaRPr lang="zh-CN" altLang="en-US">
               <a:solidFill>
@@ -14014,7 +14014,7 @@
                 </a:solidFill>
               </a:rPr>
               <a:pPr/>
-              <a:t>16/7/11</a:t>
+              <a:t>16/9/18</a:t>
             </a:fld>
             <a:endParaRPr lang="zh-CN" altLang="en-US">
               <a:solidFill>
@@ -14211,7 +14211,7 @@
                 </a:solidFill>
               </a:rPr>
               <a:pPr/>
-              <a:t>16/7/11</a:t>
+              <a:t>16/9/18</a:t>
             </a:fld>
             <a:endParaRPr lang="zh-CN" altLang="en-US">
               <a:solidFill>
@@ -14457,7 +14457,7 @@
             <a:fld id="{D6AFAA99-E689-4640-B180-1BCCC2BDEE08}" type="datetimeFigureOut">
               <a:rPr lang="zh-CN" altLang="en-US" smtClean="0"/>
               <a:pPr/>
-              <a:t>16/7/11</a:t>
+              <a:t>16/9/18</a:t>
             </a:fld>
             <a:endParaRPr lang="zh-CN" altLang="en-US"/>
           </a:p>
@@ -15047,7 +15047,7 @@
                 </a:solidFill>
               </a:rPr>
               <a:pPr/>
-              <a:t>16/7/11</a:t>
+              <a:t>16/9/18</a:t>
             </a:fld>
             <a:endParaRPr lang="zh-CN" altLang="en-US">
               <a:solidFill>
@@ -16903,7 +16903,7 @@
                 <a:latin typeface="微软雅黑" panose="020B0503020204020204" pitchFamily="34" charset="-122"/>
                 <a:ea typeface="微软雅黑" panose="020B0503020204020204" pitchFamily="34" charset="-122"/>
               </a:rPr>
-              <a:t>技术经理和产品经理根据本次迭代的开发和测试情况决定</a:t>
+              <a:t>开发经理和产品经理根据本次迭代的开发和测试情况决定</a:t>
             </a:r>
             <a:r>
               <a:rPr lang="zh-CN" altLang="en-US" b="1" dirty="0" smtClean="0">
@@ -16987,7 +16987,7 @@
                 <a:latin typeface="微软雅黑" panose="020B0503020204020204" pitchFamily="34" charset="-122"/>
                 <a:ea typeface="微软雅黑" panose="020B0503020204020204" pitchFamily="34" charset="-122"/>
               </a:rPr>
-              <a:t>人员检查并纪录</a:t>
+              <a:t>人员和产品经理检查并纪录</a:t>
             </a:r>
             <a:r>
               <a:rPr lang="en-US" altLang="zh-CN" dirty="0" smtClean="0">
@@ -17172,7 +17172,21 @@
                 <a:latin typeface="微软雅黑" panose="020B0503020204020204" pitchFamily="34" charset="-122"/>
                 <a:ea typeface="微软雅黑" panose="020B0503020204020204" pitchFamily="34" charset="-122"/>
               </a:rPr>
-              <a:t>明确本次上线范围后开始，成功上线后结束</a:t>
+              <a:t>周四开始发布</a:t>
+            </a:r>
+            <a:r>
+              <a:rPr lang="en-US" altLang="zh-CN" dirty="0" smtClean="0">
+                <a:latin typeface="微软雅黑" panose="020B0503020204020204" pitchFamily="34" charset="-122"/>
+                <a:ea typeface="微软雅黑" panose="020B0503020204020204" pitchFamily="34" charset="-122"/>
+              </a:rPr>
+              <a:t>stage</a:t>
+            </a:r>
+            <a:r>
+              <a:rPr lang="zh-CN" altLang="en-US" dirty="0" smtClean="0">
+                <a:latin typeface="微软雅黑" panose="020B0503020204020204" pitchFamily="34" charset="-122"/>
+                <a:ea typeface="微软雅黑" panose="020B0503020204020204" pitchFamily="34" charset="-122"/>
+              </a:rPr>
+              <a:t>，周五完成生产部署并总结</a:t>
             </a:r>
             <a:endParaRPr lang="zh-CN" altLang="en-US" dirty="0">
               <a:latin typeface="微软雅黑" panose="020B0503020204020204" pitchFamily="34" charset="-122"/>
@@ -17289,7 +17303,7 @@
           <p:nvPr>
             <p:extLst>
               <p:ext uri="{D42A27DB-BD31-4B8C-83A1-F6EECF244321}">
-                <p14:modId xmlns:p14="http://schemas.microsoft.com/office/powerpoint/2010/main" val="2081129377"/>
+                <p14:modId xmlns:p14="http://schemas.microsoft.com/office/powerpoint/2010/main" val="655044502"/>
               </p:ext>
             </p:extLst>
           </p:nvPr>
@@ -17434,7 +17448,7 @@
                           <a:ea typeface="Microsoft YaHei" charset="0"/>
                           <a:cs typeface="Microsoft YaHei" charset="0"/>
                         </a:rPr>
-                        <a:t>产品经理和技术经理</a:t>
+                        <a:t>产品经理和开发经理</a:t>
                       </a:r>
                       <a:endParaRPr lang="zh-CN" altLang="en-US" dirty="0">
                         <a:latin typeface="Microsoft YaHei" charset="0"/>
@@ -17560,7 +17574,7 @@
                           <a:ea typeface="Microsoft YaHei" charset="0"/>
                           <a:cs typeface="Microsoft YaHei" charset="0"/>
                         </a:rPr>
-                        <a:t>研发管理平台</a:t>
+                        <a:t>蝉道</a:t>
                       </a:r>
                       <a:endParaRPr lang="zh-CN" altLang="en-US" dirty="0">
                         <a:latin typeface="Microsoft YaHei" charset="0"/>
@@ -17696,7 +17710,7 @@
                           <a:ea typeface="Microsoft YaHei" charset="0"/>
                           <a:cs typeface="Microsoft YaHei" charset="0"/>
                         </a:rPr>
-                        <a:t>技术经理</a:t>
+                        <a:t>开发经理</a:t>
                       </a:r>
                       <a:endParaRPr lang="zh-CN" altLang="en-US" dirty="0">
                         <a:latin typeface="Microsoft YaHei" charset="0"/>
@@ -17712,14 +17726,6 @@
                     <a:bodyPr/>
                     <a:lstStyle/>
                     <a:p>
-                      <a:r>
-                        <a:rPr lang="zh-CN" altLang="en-US" dirty="0" smtClean="0">
-                          <a:latin typeface="Microsoft YaHei" charset="0"/>
-                          <a:ea typeface="Microsoft YaHei" charset="0"/>
-                          <a:cs typeface="Microsoft YaHei" charset="0"/>
-                        </a:rPr>
-                        <a:t>需求分解，计划到人、到天</a:t>
-                      </a:r>
                       <a:endParaRPr lang="zh-CN" altLang="en-US" dirty="0">
                         <a:latin typeface="Microsoft YaHei" charset="0"/>
                         <a:ea typeface="Microsoft YaHei" charset="0"/>
@@ -17803,7 +17809,7 @@
                           <a:ea typeface="Microsoft YaHei" charset="0"/>
                           <a:cs typeface="Microsoft YaHei" charset="0"/>
                         </a:rPr>
-                        <a:t>技术经理</a:t>
+                        <a:t>开发经理</a:t>
                       </a:r>
                     </a:p>
                   </a:txBody>
@@ -18171,7 +18177,7 @@
           <p:nvPr>
             <p:extLst>
               <p:ext uri="{D42A27DB-BD31-4B8C-83A1-F6EECF244321}">
-                <p14:modId xmlns:p14="http://schemas.microsoft.com/office/powerpoint/2010/main" val="1142628446"/>
+                <p14:modId xmlns:p14="http://schemas.microsoft.com/office/powerpoint/2010/main" val="1125986355"/>
               </p:ext>
             </p:extLst>
           </p:nvPr>
@@ -18198,7 +18204,11 @@
                     <a:bodyPr/>
                     <a:lstStyle/>
                     <a:p>
-                      <a:endParaRPr lang="zh-CN" altLang="en-US" sz="2400" dirty="0"/>
+                      <a:endParaRPr lang="zh-CN" altLang="en-US" sz="2400" dirty="0">
+                        <a:latin typeface="Microsoft YaHei" charset="0"/>
+                        <a:ea typeface="Microsoft YaHei" charset="0"/>
+                        <a:cs typeface="Microsoft YaHei" charset="0"/>
+                      </a:endParaRPr>
                     </a:p>
                   </a:txBody>
                   <a:tcPr/>
@@ -18209,10 +18219,18 @@
                     <a:lstStyle/>
                     <a:p>
                       <a:r>
-                        <a:rPr lang="zh-CN" altLang="en-US" sz="2400" b="1" dirty="0" smtClean="0"/>
+                        <a:rPr lang="zh-CN" altLang="en-US" sz="2400" b="1" dirty="0" smtClean="0">
+                          <a:latin typeface="Microsoft YaHei" charset="0"/>
+                          <a:ea typeface="Microsoft YaHei" charset="0"/>
+                          <a:cs typeface="Microsoft YaHei" charset="0"/>
+                        </a:rPr>
                         <a:t>沟通</a:t>
                       </a:r>
-                      <a:endParaRPr lang="zh-CN" altLang="en-US" sz="2400" b="1" dirty="0"/>
+                      <a:endParaRPr lang="zh-CN" altLang="en-US" sz="2400" b="1" dirty="0">
+                        <a:latin typeface="Microsoft YaHei" charset="0"/>
+                        <a:ea typeface="Microsoft YaHei" charset="0"/>
+                        <a:cs typeface="Microsoft YaHei" charset="0"/>
+                      </a:endParaRPr>
                     </a:p>
                   </a:txBody>
                   <a:tcPr/>
@@ -18223,10 +18241,18 @@
                     <a:lstStyle/>
                     <a:p>
                       <a:r>
-                        <a:rPr lang="zh-CN" altLang="en-US" sz="2400" b="1" dirty="0" smtClean="0"/>
+                        <a:rPr lang="zh-CN" altLang="en-US" sz="2400" b="1" dirty="0" smtClean="0">
+                          <a:latin typeface="Microsoft YaHei" charset="0"/>
+                          <a:ea typeface="Microsoft YaHei" charset="0"/>
+                          <a:cs typeface="Microsoft YaHei" charset="0"/>
+                        </a:rPr>
                         <a:t>开发</a:t>
                       </a:r>
-                      <a:endParaRPr lang="zh-CN" altLang="en-US" sz="2400" b="1" dirty="0"/>
+                      <a:endParaRPr lang="zh-CN" altLang="en-US" sz="2400" b="1" dirty="0">
+                        <a:latin typeface="Microsoft YaHei" charset="0"/>
+                        <a:ea typeface="Microsoft YaHei" charset="0"/>
+                        <a:cs typeface="Microsoft YaHei" charset="0"/>
+                      </a:endParaRPr>
                     </a:p>
                   </a:txBody>
                   <a:tcPr/>
@@ -18237,10 +18263,18 @@
                     <a:lstStyle/>
                     <a:p>
                       <a:r>
-                        <a:rPr lang="zh-CN" altLang="en-US" sz="2400" b="1" dirty="0" smtClean="0"/>
+                        <a:rPr lang="zh-CN" altLang="en-US" sz="2400" b="1" dirty="0" smtClean="0">
+                          <a:latin typeface="Microsoft YaHei" charset="0"/>
+                          <a:ea typeface="Microsoft YaHei" charset="0"/>
+                          <a:cs typeface="Microsoft YaHei" charset="0"/>
+                        </a:rPr>
                         <a:t>运维效率</a:t>
                       </a:r>
-                      <a:endParaRPr lang="zh-CN" altLang="en-US" sz="2400" b="1" dirty="0"/>
+                      <a:endParaRPr lang="zh-CN" altLang="en-US" sz="2400" b="1" dirty="0">
+                        <a:latin typeface="Microsoft YaHei" charset="0"/>
+                        <a:ea typeface="Microsoft YaHei" charset="0"/>
+                        <a:cs typeface="Microsoft YaHei" charset="0"/>
+                      </a:endParaRPr>
                     </a:p>
                   </a:txBody>
                   <a:tcPr/>
@@ -18253,10 +18287,18 @@
                     <a:lstStyle/>
                     <a:p>
                       <a:r>
-                        <a:rPr lang="zh-CN" altLang="en-US" sz="2400" b="1" dirty="0" smtClean="0"/>
+                        <a:rPr lang="zh-CN" altLang="en-US" sz="2400" b="1" dirty="0" smtClean="0">
+                          <a:latin typeface="Microsoft YaHei" charset="0"/>
+                          <a:ea typeface="Microsoft YaHei" charset="0"/>
+                          <a:cs typeface="Microsoft YaHei" charset="0"/>
+                        </a:rPr>
                         <a:t>效率</a:t>
                       </a:r>
-                      <a:endParaRPr lang="zh-CN" altLang="en-US" sz="2400" b="1" dirty="0"/>
+                      <a:endParaRPr lang="zh-CN" altLang="en-US" sz="2400" b="1" dirty="0">
+                        <a:latin typeface="Microsoft YaHei" charset="0"/>
+                        <a:ea typeface="Microsoft YaHei" charset="0"/>
+                        <a:cs typeface="Microsoft YaHei" charset="0"/>
+                      </a:endParaRPr>
                     </a:p>
                   </a:txBody>
                   <a:tcPr/>
@@ -18267,10 +18309,18 @@
                     <a:lstStyle/>
                     <a:p>
                       <a:r>
-                        <a:rPr lang="zh-CN" altLang="en-US" sz="2400" dirty="0" smtClean="0"/>
+                        <a:rPr lang="zh-CN" altLang="en-US" sz="2400" dirty="0" smtClean="0">
+                          <a:latin typeface="Microsoft YaHei" charset="0"/>
+                          <a:ea typeface="Microsoft YaHei" charset="0"/>
+                          <a:cs typeface="Microsoft YaHei" charset="0"/>
+                        </a:rPr>
                         <a:t>沟通效率</a:t>
                       </a:r>
-                      <a:endParaRPr lang="zh-CN" altLang="en-US" sz="2400" dirty="0"/>
+                      <a:endParaRPr lang="zh-CN" altLang="en-US" sz="2400" dirty="0">
+                        <a:latin typeface="Microsoft YaHei" charset="0"/>
+                        <a:ea typeface="Microsoft YaHei" charset="0"/>
+                        <a:cs typeface="Microsoft YaHei" charset="0"/>
+                      </a:endParaRPr>
                     </a:p>
                   </a:txBody>
                   <a:tcPr/>
@@ -18281,10 +18331,18 @@
                     <a:lstStyle/>
                     <a:p>
                       <a:r>
-                        <a:rPr lang="zh-CN" altLang="en-US" sz="2400" dirty="0" smtClean="0"/>
+                        <a:rPr lang="zh-CN" altLang="en-US" sz="2400" dirty="0" smtClean="0">
+                          <a:latin typeface="Microsoft YaHei" charset="0"/>
+                          <a:ea typeface="Microsoft YaHei" charset="0"/>
+                          <a:cs typeface="Microsoft YaHei" charset="0"/>
+                        </a:rPr>
                         <a:t>开发效率</a:t>
                       </a:r>
-                      <a:endParaRPr lang="zh-CN" altLang="en-US" sz="2400" dirty="0"/>
+                      <a:endParaRPr lang="zh-CN" altLang="en-US" sz="2400" dirty="0">
+                        <a:latin typeface="Microsoft YaHei" charset="0"/>
+                        <a:ea typeface="Microsoft YaHei" charset="0"/>
+                        <a:cs typeface="Microsoft YaHei" charset="0"/>
+                      </a:endParaRPr>
                     </a:p>
                   </a:txBody>
                   <a:tcPr/>
@@ -18295,10 +18353,18 @@
                     <a:lstStyle/>
                     <a:p>
                       <a:r>
-                        <a:rPr lang="zh-CN" altLang="en-US" sz="2400" dirty="0" smtClean="0"/>
+                        <a:rPr lang="zh-CN" altLang="en-US" sz="2400" dirty="0" smtClean="0">
+                          <a:latin typeface="Microsoft YaHei" charset="0"/>
+                          <a:ea typeface="Microsoft YaHei" charset="0"/>
+                          <a:cs typeface="Microsoft YaHei" charset="0"/>
+                        </a:rPr>
                         <a:t>运维效率</a:t>
                       </a:r>
-                      <a:endParaRPr lang="zh-CN" altLang="en-US" sz="2400" dirty="0"/>
+                      <a:endParaRPr lang="zh-CN" altLang="en-US" sz="2400" dirty="0">
+                        <a:latin typeface="Microsoft YaHei" charset="0"/>
+                        <a:ea typeface="Microsoft YaHei" charset="0"/>
+                        <a:cs typeface="Microsoft YaHei" charset="0"/>
+                      </a:endParaRPr>
                     </a:p>
                   </a:txBody>
                   <a:tcPr/>
@@ -18311,10 +18377,18 @@
                     <a:lstStyle/>
                     <a:p>
                       <a:r>
-                        <a:rPr lang="zh-CN" altLang="en-US" sz="2400" b="1" dirty="0" smtClean="0"/>
+                        <a:rPr lang="zh-CN" altLang="en-US" sz="2400" b="1" dirty="0" smtClean="0">
+                          <a:latin typeface="Microsoft YaHei" charset="0"/>
+                          <a:ea typeface="Microsoft YaHei" charset="0"/>
+                          <a:cs typeface="Microsoft YaHei" charset="0"/>
+                        </a:rPr>
                         <a:t>质量</a:t>
                       </a:r>
-                      <a:endParaRPr lang="zh-CN" altLang="en-US" sz="2400" b="1" dirty="0"/>
+                      <a:endParaRPr lang="zh-CN" altLang="en-US" sz="2400" b="1" dirty="0">
+                        <a:latin typeface="Microsoft YaHei" charset="0"/>
+                        <a:ea typeface="Microsoft YaHei" charset="0"/>
+                        <a:cs typeface="Microsoft YaHei" charset="0"/>
+                      </a:endParaRPr>
                     </a:p>
                   </a:txBody>
                   <a:tcPr/>
@@ -18325,10 +18399,18 @@
                     <a:lstStyle/>
                     <a:p>
                       <a:r>
-                        <a:rPr lang="zh-CN" altLang="en-US" sz="2400" dirty="0" smtClean="0"/>
+                        <a:rPr lang="zh-CN" altLang="en-US" sz="2400" dirty="0" smtClean="0">
+                          <a:latin typeface="Microsoft YaHei" charset="0"/>
+                          <a:ea typeface="Microsoft YaHei" charset="0"/>
+                          <a:cs typeface="Microsoft YaHei" charset="0"/>
+                        </a:rPr>
                         <a:t>沟通质量</a:t>
                       </a:r>
-                      <a:endParaRPr lang="zh-CN" altLang="en-US" sz="2400" dirty="0"/>
+                      <a:endParaRPr lang="zh-CN" altLang="en-US" sz="2400" dirty="0">
+                        <a:latin typeface="Microsoft YaHei" charset="0"/>
+                        <a:ea typeface="Microsoft YaHei" charset="0"/>
+                        <a:cs typeface="Microsoft YaHei" charset="0"/>
+                      </a:endParaRPr>
                     </a:p>
                   </a:txBody>
                   <a:tcPr/>
@@ -18339,10 +18421,18 @@
                     <a:lstStyle/>
                     <a:p>
                       <a:r>
-                        <a:rPr lang="zh-CN" altLang="en-US" sz="2400" dirty="0" smtClean="0"/>
+                        <a:rPr lang="zh-CN" altLang="en-US" sz="2400" dirty="0" smtClean="0">
+                          <a:latin typeface="Microsoft YaHei" charset="0"/>
+                          <a:ea typeface="Microsoft YaHei" charset="0"/>
+                          <a:cs typeface="Microsoft YaHei" charset="0"/>
+                        </a:rPr>
                         <a:t>开发质量</a:t>
                       </a:r>
-                      <a:endParaRPr lang="zh-CN" altLang="en-US" sz="2400" dirty="0"/>
+                      <a:endParaRPr lang="zh-CN" altLang="en-US" sz="2400" dirty="0">
+                        <a:latin typeface="Microsoft YaHei" charset="0"/>
+                        <a:ea typeface="Microsoft YaHei" charset="0"/>
+                        <a:cs typeface="Microsoft YaHei" charset="0"/>
+                      </a:endParaRPr>
                     </a:p>
                   </a:txBody>
                   <a:tcPr/>
@@ -18353,10 +18443,18 @@
                     <a:lstStyle/>
                     <a:p>
                       <a:r>
-                        <a:rPr lang="zh-CN" altLang="en-US" sz="2400" dirty="0" smtClean="0"/>
+                        <a:rPr lang="zh-CN" altLang="en-US" sz="2400" dirty="0" smtClean="0">
+                          <a:latin typeface="Microsoft YaHei" charset="0"/>
+                          <a:ea typeface="Microsoft YaHei" charset="0"/>
+                          <a:cs typeface="Microsoft YaHei" charset="0"/>
+                        </a:rPr>
                         <a:t>运维质量</a:t>
                       </a:r>
-                      <a:endParaRPr lang="zh-CN" altLang="en-US" sz="2400" dirty="0"/>
+                      <a:endParaRPr lang="zh-CN" altLang="en-US" sz="2400" dirty="0">
+                        <a:latin typeface="Microsoft YaHei" charset="0"/>
+                        <a:ea typeface="Microsoft YaHei" charset="0"/>
+                        <a:cs typeface="Microsoft YaHei" charset="0"/>
+                      </a:endParaRPr>
                     </a:p>
                   </a:txBody>
                   <a:tcPr/>
@@ -18460,10 +18558,12 @@
           </a:bodyPr>
           <a:lstStyle/>
           <a:p>
-            <a:pPr>
+            <a:pPr marL="457200" indent="-457200">
               <a:lnSpc>
                 <a:spcPct val="150000"/>
               </a:lnSpc>
+              <a:buFont typeface="Wingdings" charset="2"/>
+              <a:buChar char="l"/>
             </a:pPr>
             <a:r>
               <a:rPr lang="zh-CN" altLang="en-US" sz="2800" b="1" dirty="0" smtClean="0">
@@ -18477,10 +18577,12 @@
             </a:r>
           </a:p>
           <a:p>
-            <a:pPr>
+            <a:pPr marL="457200" indent="-457200">
               <a:lnSpc>
                 <a:spcPct val="150000"/>
               </a:lnSpc>
+              <a:buFont typeface="Wingdings" charset="2"/>
+              <a:buChar char="l"/>
             </a:pPr>
             <a:r>
               <a:rPr lang="zh-CN" altLang="en-US" sz="2800" b="1" dirty="0" smtClean="0">
@@ -18494,10 +18596,12 @@
             </a:r>
           </a:p>
           <a:p>
-            <a:pPr>
+            <a:pPr marL="457200" indent="-457200">
               <a:lnSpc>
                 <a:spcPct val="150000"/>
               </a:lnSpc>
+              <a:buFont typeface="Wingdings" charset="2"/>
+              <a:buChar char="l"/>
             </a:pPr>
             <a:r>
               <a:rPr lang="zh-CN" altLang="en-US" sz="2800" b="1" dirty="0" smtClean="0">
@@ -18511,10 +18615,12 @@
             </a:r>
           </a:p>
           <a:p>
-            <a:pPr>
+            <a:pPr marL="457200" indent="-457200">
               <a:lnSpc>
                 <a:spcPct val="150000"/>
               </a:lnSpc>
+              <a:buFont typeface="Wingdings" charset="2"/>
+              <a:buChar char="l"/>
             </a:pPr>
             <a:r>
               <a:rPr lang="zh-CN" altLang="en-US" sz="2800" b="1" dirty="0" smtClean="0">
@@ -18710,8 +18816,40 @@
                 <a:latin typeface="微软雅黑" panose="020B0503020204020204" pitchFamily="34" charset="-122"/>
                 <a:ea typeface="微软雅黑" panose="020B0503020204020204" pitchFamily="34" charset="-122"/>
               </a:rPr>
-              <a:t>由产品经理牵头需求，技术经理完成开发计划</a:t>
-            </a:r>
+              <a:t>由产品经理牵头</a:t>
+            </a:r>
+            <a:r>
+              <a:rPr lang="zh-CN" altLang="en-US" dirty="0" smtClean="0">
+                <a:latin typeface="微软雅黑" panose="020B0503020204020204" pitchFamily="34" charset="-122"/>
+                <a:ea typeface="微软雅黑" panose="020B0503020204020204" pitchFamily="34" charset="-122"/>
+              </a:rPr>
+              <a:t>需求</a:t>
+            </a:r>
+            <a:r>
+              <a:rPr lang="zh-CN" altLang="en-US" dirty="0" smtClean="0">
+                <a:latin typeface="微软雅黑" panose="020B0503020204020204" pitchFamily="34" charset="-122"/>
+                <a:ea typeface="微软雅黑" panose="020B0503020204020204" pitchFamily="34" charset="-122"/>
+              </a:rPr>
+              <a:t>准备工作，并提交</a:t>
+            </a:r>
+            <a:r>
+              <a:rPr lang="en-US" altLang="zh-CN" dirty="0" err="1" smtClean="0">
+                <a:latin typeface="微软雅黑" panose="020B0503020204020204" pitchFamily="34" charset="-122"/>
+                <a:ea typeface="微软雅黑" panose="020B0503020204020204" pitchFamily="34" charset="-122"/>
+              </a:rPr>
+              <a:t>todo</a:t>
+            </a:r>
+            <a:r>
+              <a:rPr lang="zh-CN" altLang="en-US" dirty="0" smtClean="0">
+                <a:latin typeface="微软雅黑" panose="020B0503020204020204" pitchFamily="34" charset="-122"/>
+                <a:ea typeface="微软雅黑" panose="020B0503020204020204" pitchFamily="34" charset="-122"/>
+              </a:rPr>
+              <a:t>列表</a:t>
+            </a:r>
+            <a:endParaRPr lang="zh-CN" altLang="en-US" dirty="0" smtClean="0">
+              <a:latin typeface="微软雅黑" panose="020B0503020204020204" pitchFamily="34" charset="-122"/>
+              <a:ea typeface="微软雅黑" panose="020B0503020204020204" pitchFamily="34" charset="-122"/>
+            </a:endParaRPr>
           </a:p>
           <a:p>
             <a:pPr>
@@ -18740,39 +18878,95 @@
               <a:t>：</a:t>
             </a:r>
             <a:r>
+              <a:rPr lang="zh-CN" altLang="en-US" dirty="0">
+                <a:latin typeface="微软雅黑" panose="020B0503020204020204" pitchFamily="34" charset="-122"/>
+                <a:ea typeface="微软雅黑" panose="020B0503020204020204" pitchFamily="34" charset="-122"/>
+              </a:rPr>
+              <a:t> </a:t>
+            </a:r>
+            <a:r>
+              <a:rPr lang="zh-CN" altLang="en-US" dirty="0" smtClean="0">
+                <a:latin typeface="微软雅黑" panose="020B0503020204020204" pitchFamily="34" charset="-122"/>
+                <a:ea typeface="微软雅黑" panose="020B0503020204020204" pitchFamily="34" charset="-122"/>
+              </a:rPr>
+              <a:t>开发</a:t>
+            </a:r>
+            <a:r>
+              <a:rPr lang="zh-CN" altLang="en-US" dirty="0">
+                <a:latin typeface="微软雅黑" panose="020B0503020204020204" pitchFamily="34" charset="-122"/>
+                <a:ea typeface="微软雅黑" panose="020B0503020204020204" pitchFamily="34" charset="-122"/>
+              </a:rPr>
+              <a:t>经理</a:t>
+            </a:r>
+            <a:r>
+              <a:rPr lang="zh-CN" altLang="en-US" dirty="0" smtClean="0">
+                <a:latin typeface="微软雅黑" panose="020B0503020204020204" pitchFamily="34" charset="-122"/>
+                <a:ea typeface="微软雅黑" panose="020B0503020204020204" pitchFamily="34" charset="-122"/>
+              </a:rPr>
+              <a:t>完成</a:t>
+            </a:r>
+            <a:r>
+              <a:rPr lang="zh-CN" altLang="en-US" dirty="0" smtClean="0">
+                <a:latin typeface="微软雅黑" panose="020B0503020204020204" pitchFamily="34" charset="-122"/>
+                <a:ea typeface="微软雅黑" panose="020B0503020204020204" pitchFamily="34" charset="-122"/>
+              </a:rPr>
+              <a:t>或更新迭代</a:t>
+            </a:r>
+            <a:r>
+              <a:rPr lang="zh-CN" altLang="en-US" dirty="0" smtClean="0">
+                <a:latin typeface="微软雅黑" panose="020B0503020204020204" pitchFamily="34" charset="-122"/>
+                <a:ea typeface="微软雅黑" panose="020B0503020204020204" pitchFamily="34" charset="-122"/>
+              </a:rPr>
+              <a:t>开发计划，</a:t>
+            </a:r>
+            <a:r>
               <a:rPr lang="en-US" altLang="zh-CN" dirty="0" smtClean="0">
                 <a:latin typeface="微软雅黑" panose="020B0503020204020204" pitchFamily="34" charset="-122"/>
                 <a:ea typeface="微软雅黑" panose="020B0503020204020204" pitchFamily="34" charset="-122"/>
               </a:rPr>
-              <a:t>kick off</a:t>
+              <a:t>kick </a:t>
+            </a:r>
+            <a:r>
+              <a:rPr lang="en-US" altLang="zh-CN" dirty="0" smtClean="0">
+                <a:latin typeface="微软雅黑" panose="020B0503020204020204" pitchFamily="34" charset="-122"/>
+                <a:ea typeface="微软雅黑" panose="020B0503020204020204" pitchFamily="34" charset="-122"/>
+              </a:rPr>
+              <a:t>off</a:t>
             </a:r>
             <a:r>
               <a:rPr lang="zh-CN" altLang="en-US" dirty="0" smtClean="0">
                 <a:latin typeface="微软雅黑" panose="020B0503020204020204" pitchFamily="34" charset="-122"/>
                 <a:ea typeface="微软雅黑" panose="020B0503020204020204" pitchFamily="34" charset="-122"/>
               </a:rPr>
-              <a:t>会议（</a:t>
+              <a:t>会议（小型迭代可以邮件代替），技术架构更新、详细设计、开发、单元测试和持续</a:t>
             </a:r>
             <a:r>
               <a:rPr lang="zh-CN" altLang="en-US" dirty="0" smtClean="0">
                 <a:latin typeface="微软雅黑" panose="020B0503020204020204" pitchFamily="34" charset="-122"/>
                 <a:ea typeface="微软雅黑" panose="020B0503020204020204" pitchFamily="34" charset="-122"/>
               </a:rPr>
-              <a:t>小型迭代可以邮件代替）</a:t>
+              <a:t>集成、</a:t>
             </a:r>
             <a:r>
               <a:rPr lang="zh-CN" altLang="en-US" dirty="0" smtClean="0">
                 <a:latin typeface="微软雅黑" panose="020B0503020204020204" pitchFamily="34" charset="-122"/>
                 <a:ea typeface="微软雅黑" panose="020B0503020204020204" pitchFamily="34" charset="-122"/>
               </a:rPr>
-              <a:t>，</a:t>
+              <a:t>验收测试</a:t>
             </a:r>
             <a:r>
               <a:rPr lang="zh-CN" altLang="en-US" dirty="0" smtClean="0">
                 <a:latin typeface="微软雅黑" panose="020B0503020204020204" pitchFamily="34" charset="-122"/>
                 <a:ea typeface="微软雅黑" panose="020B0503020204020204" pitchFamily="34" charset="-122"/>
               </a:rPr>
-              <a:t>技术架构更新、详细设计、开发、单元测试和持续集成，看板任务追踪</a:t>
+              <a:t>，</a:t>
+            </a:r>
+            <a:r>
+              <a:rPr lang="zh-CN" altLang="en-US" dirty="0" smtClean="0">
+                <a:latin typeface="微软雅黑" panose="020B0503020204020204" pitchFamily="34" charset="-122"/>
+                <a:ea typeface="微软雅黑" panose="020B0503020204020204" pitchFamily="34" charset="-122"/>
+              </a:rPr>
+              <a:t>看板任务追踪</a:t>
             </a:r>
           </a:p>
           <a:p>
@@ -18796,21 +18990,7 @@
                 <a:latin typeface="微软雅黑" panose="020B0503020204020204" pitchFamily="34" charset="-122"/>
                 <a:ea typeface="微软雅黑" panose="020B0503020204020204" pitchFamily="34" charset="-122"/>
               </a:rPr>
-              <a:t>决定上线范围，预上线验证，召开全体交付会议，生产系统发布并</a:t>
-            </a:r>
-            <a:r>
-              <a:rPr lang="zh-CN" altLang="en-US" dirty="0" smtClean="0">
-                <a:latin typeface="微软雅黑" panose="020B0503020204020204" pitchFamily="34" charset="-122"/>
-                <a:ea typeface="微软雅黑" panose="020B0503020204020204" pitchFamily="34" charset="-122"/>
-              </a:rPr>
-              <a:t>验证，</a:t>
-            </a:r>
-            <a:r>
-              <a:rPr lang="zh-CN" altLang="en-US" dirty="0" smtClean="0">
-                <a:latin typeface="微软雅黑" panose="020B0503020204020204" pitchFamily="34" charset="-122"/>
-                <a:ea typeface="微软雅黑" panose="020B0503020204020204" pitchFamily="34" charset="-122"/>
-              </a:rPr>
-              <a:t>发布说明</a:t>
+              <a:t>决定上线范围，预上线验证，召开全体交付会议，生产系统发布并验证，发布说明</a:t>
             </a:r>
             <a:endParaRPr lang="zh-CN" altLang="en-US" dirty="0">
               <a:latin typeface="微软雅黑" panose="020B0503020204020204" pitchFamily="34" charset="-122"/>
@@ -18900,7 +19080,7 @@
         <p:spPr>
           <a:xfrm>
             <a:off x="232834" y="1168430"/>
-            <a:ext cx="11607800" cy="2585323"/>
+            <a:ext cx="11607800" cy="3416320"/>
           </a:xfrm>
           <a:prstGeom prst="rect">
             <a:avLst/>
@@ -18949,14 +19129,14 @@
                 <a:latin typeface="微软雅黑" panose="020B0503020204020204" pitchFamily="34" charset="-122"/>
                 <a:ea typeface="微软雅黑" panose="020B0503020204020204" pitchFamily="34" charset="-122"/>
               </a:rPr>
-              <a:t>需求文档、</a:t>
-            </a:r>
-            <a:r>
-              <a:rPr lang="zh-CN" altLang="en-US" b="1" dirty="0" smtClean="0">
+              <a:t>需求文档、原型、设计（注意每个阶段都需要进行讨论和评审</a:t>
+            </a:r>
+            <a:r>
+              <a:rPr lang="zh-CN" altLang="en-US" b="1" dirty="0">
                 <a:latin typeface="微软雅黑" panose="020B0503020204020204" pitchFamily="34" charset="-122"/>
                 <a:ea typeface="微软雅黑" panose="020B0503020204020204" pitchFamily="34" charset="-122"/>
               </a:rPr>
-              <a:t>原型</a:t>
+              <a:t>）</a:t>
             </a:r>
             <a:endParaRPr lang="zh-CN" altLang="en-US" dirty="0">
               <a:latin typeface="微软雅黑" panose="020B0503020204020204" pitchFamily="34" charset="-122"/>
@@ -18976,37 +19156,121 @@
                 <a:latin typeface="微软雅黑" panose="020B0503020204020204" pitchFamily="34" charset="-122"/>
                 <a:ea typeface="微软雅黑" panose="020B0503020204020204" pitchFamily="34" charset="-122"/>
               </a:rPr>
-              <a:t>有产品经理准备好上述文档，完成需求评审后确定</a:t>
+              <a:t>由产品经理准备好上述文档，完成需求评审后确定</a:t>
             </a:r>
             <a:r>
               <a:rPr lang="zh-CN" altLang="en-US" b="1" dirty="0" smtClean="0">
                 <a:latin typeface="微软雅黑" panose="020B0503020204020204" pitchFamily="34" charset="-122"/>
                 <a:ea typeface="微软雅黑" panose="020B0503020204020204" pitchFamily="34" charset="-122"/>
               </a:rPr>
-              <a:t>优先级，</a:t>
+              <a:t>优先级，进入看板</a:t>
+            </a:r>
+            <a:r>
+              <a:rPr lang="en-US" altLang="zh-CN" b="1" dirty="0" smtClean="0">
+                <a:latin typeface="微软雅黑" panose="020B0503020204020204" pitchFamily="34" charset="-122"/>
+                <a:ea typeface="微软雅黑" panose="020B0503020204020204" pitchFamily="34" charset="-122"/>
+              </a:rPr>
+              <a:t>TO DO</a:t>
             </a:r>
             <a:r>
               <a:rPr lang="zh-CN" altLang="en-US" b="1" dirty="0" smtClean="0">
                 <a:latin typeface="微软雅黑" panose="020B0503020204020204" pitchFamily="34" charset="-122"/>
                 <a:ea typeface="微软雅黑" panose="020B0503020204020204" pitchFamily="34" charset="-122"/>
               </a:rPr>
-              <a:t>进入看板</a:t>
-            </a:r>
-            <a:r>
-              <a:rPr lang="en-US" altLang="zh-CN" b="1" dirty="0" smtClean="0">
+              <a:t>列表</a:t>
+            </a:r>
+            <a:endParaRPr lang="zh-CN" altLang="en-US" dirty="0">
+              <a:latin typeface="微软雅黑" panose="020B0503020204020204" pitchFamily="34" charset="-122"/>
+              <a:ea typeface="微软雅黑" panose="020B0503020204020204" pitchFamily="34" charset="-122"/>
+            </a:endParaRPr>
+          </a:p>
+          <a:p>
+            <a:pPr>
+              <a:lnSpc>
+                <a:spcPct val="150000"/>
+              </a:lnSpc>
+            </a:pPr>
+            <a:r>
+              <a:rPr lang="zh-CN" altLang="en-US" b="1" dirty="0" smtClean="0">
+                <a:solidFill>
+                  <a:srgbClr val="FF0000"/>
+                </a:solidFill>
                 <a:latin typeface="微软雅黑" panose="020B0503020204020204" pitchFamily="34" charset="-122"/>
                 <a:ea typeface="微软雅黑" panose="020B0503020204020204" pitchFamily="34" charset="-122"/>
               </a:rPr>
-              <a:t>TO DO</a:t>
-            </a:r>
-            <a:r>
-              <a:rPr lang="zh-CN" altLang="en-US" b="1" dirty="0" smtClean="0">
+              <a:t>时间要求：</a:t>
+            </a:r>
+          </a:p>
+          <a:p>
+            <a:pPr marL="285750" indent="-285750">
+              <a:lnSpc>
+                <a:spcPct val="150000"/>
+              </a:lnSpc>
+              <a:buFont typeface="Arial" charset="0"/>
+              <a:buChar char="•"/>
+            </a:pPr>
+            <a:r>
+              <a:rPr lang="zh-CN" altLang="en-US" dirty="0" smtClean="0">
                 <a:latin typeface="微软雅黑" panose="020B0503020204020204" pitchFamily="34" charset="-122"/>
                 <a:ea typeface="微软雅黑" panose="020B0503020204020204" pitchFamily="34" charset="-122"/>
               </a:rPr>
-              <a:t>列表</a:t>
-            </a:r>
-            <a:endParaRPr lang="zh-CN" altLang="en-US" dirty="0">
+              <a:t>上次迭代的上线期开始并行本次迭代的需求，必须在正式的</a:t>
+            </a:r>
+            <a:r>
+              <a:rPr lang="en-US" altLang="zh-CN" dirty="0" smtClean="0">
+                <a:latin typeface="微软雅黑" panose="020B0503020204020204" pitchFamily="34" charset="-122"/>
+                <a:ea typeface="微软雅黑" panose="020B0503020204020204" pitchFamily="34" charset="-122"/>
+              </a:rPr>
+              <a:t>kick off</a:t>
+            </a:r>
+            <a:r>
+              <a:rPr lang="zh-CN" altLang="en-US" dirty="0" smtClean="0">
+                <a:latin typeface="微软雅黑" panose="020B0503020204020204" pitchFamily="34" charset="-122"/>
+                <a:ea typeface="微软雅黑" panose="020B0503020204020204" pitchFamily="34" charset="-122"/>
+              </a:rPr>
+              <a:t>全体大会前完成此阶段的工作，完成输出</a:t>
+            </a:r>
+            <a:r>
+              <a:rPr lang="zh-CN" altLang="en-US" dirty="0" smtClean="0">
+                <a:latin typeface="微软雅黑" panose="020B0503020204020204" pitchFamily="34" charset="-122"/>
+                <a:ea typeface="微软雅黑" panose="020B0503020204020204" pitchFamily="34" charset="-122"/>
+              </a:rPr>
+              <a:t>物</a:t>
+            </a:r>
+          </a:p>
+          <a:p>
+            <a:pPr marL="285750" indent="-285750">
+              <a:lnSpc>
+                <a:spcPct val="150000"/>
+              </a:lnSpc>
+              <a:buFont typeface="Arial" charset="0"/>
+              <a:buChar char="•"/>
+            </a:pPr>
+            <a:r>
+              <a:rPr lang="zh-CN" altLang="en-US" dirty="0" smtClean="0">
+                <a:latin typeface="微软雅黑" panose="020B0503020204020204" pitchFamily="34" charset="-122"/>
+                <a:ea typeface="微软雅黑" panose="020B0503020204020204" pitchFamily="34" charset="-122"/>
+              </a:rPr>
+              <a:t>需求原则上应该</a:t>
+            </a:r>
+            <a:r>
+              <a:rPr lang="zh-CN" altLang="en-US" dirty="0" smtClean="0">
+                <a:solidFill>
+                  <a:srgbClr val="FF0000"/>
+                </a:solidFill>
+                <a:latin typeface="微软雅黑" panose="020B0503020204020204" pitchFamily="34" charset="-122"/>
+                <a:ea typeface="微软雅黑" panose="020B0503020204020204" pitchFamily="34" charset="-122"/>
+              </a:rPr>
+              <a:t>早于开发两个迭代周期</a:t>
+            </a:r>
+            <a:r>
+              <a:rPr lang="zh-CN" altLang="en-US" dirty="0" smtClean="0">
+                <a:latin typeface="微软雅黑" panose="020B0503020204020204" pitchFamily="34" charset="-122"/>
+                <a:ea typeface="微软雅黑" panose="020B0503020204020204" pitchFamily="34" charset="-122"/>
+              </a:rPr>
+              <a:t>以便冷却</a:t>
+            </a:r>
+            <a:endParaRPr lang="zh-CN" altLang="en-US" dirty="0" smtClean="0">
               <a:latin typeface="微软雅黑" panose="020B0503020204020204" pitchFamily="34" charset="-122"/>
               <a:ea typeface="微软雅黑" panose="020B0503020204020204" pitchFamily="34" charset="-122"/>
             </a:endParaRPr>
@@ -19024,98 +19288,59 @@
                 <a:latin typeface="微软雅黑" panose="020B0503020204020204" pitchFamily="34" charset="-122"/>
                 <a:ea typeface="微软雅黑" panose="020B0503020204020204" pitchFamily="34" charset="-122"/>
               </a:rPr>
-              <a:t>由</a:t>
+              <a:t>无论是否发起迭代，产品经理</a:t>
             </a:r>
             <a:r>
               <a:rPr lang="zh-CN" altLang="en-US" dirty="0" smtClean="0">
-                <a:latin typeface="微软雅黑" panose="020B0503020204020204" pitchFamily="34" charset="-122"/>
-                <a:ea typeface="微软雅黑" panose="020B0503020204020204" pitchFamily="34" charset="-122"/>
-              </a:rPr>
-              <a:t>开发</a:t>
-            </a:r>
-            <a:r>
-              <a:rPr lang="zh-CN" altLang="en-US" dirty="0" smtClean="0">
-                <a:latin typeface="微软雅黑" panose="020B0503020204020204" pitchFamily="34" charset="-122"/>
-                <a:ea typeface="微软雅黑" panose="020B0503020204020204" pitchFamily="34" charset="-122"/>
-              </a:rPr>
-              <a:t>经理</a:t>
-            </a:r>
-            <a:r>
-              <a:rPr lang="zh-CN" altLang="en-US" dirty="0" smtClean="0">
-                <a:latin typeface="微软雅黑" panose="020B0503020204020204" pitchFamily="34" charset="-122"/>
-                <a:ea typeface="微软雅黑" panose="020B0503020204020204" pitchFamily="34" charset="-122"/>
-              </a:rPr>
-              <a:t>完成</a:t>
-            </a:r>
-            <a:r>
-              <a:rPr lang="zh-CN" altLang="en-US" b="1" dirty="0" smtClean="0">
-                <a:latin typeface="微软雅黑" panose="020B0503020204020204" pitchFamily="34" charset="-122"/>
-                <a:ea typeface="微软雅黑" panose="020B0503020204020204" pitchFamily="34" charset="-122"/>
-              </a:rPr>
-              <a:t>开发</a:t>
-            </a:r>
-            <a:r>
-              <a:rPr lang="zh-CN" altLang="en-US" b="1" dirty="0" smtClean="0">
-                <a:latin typeface="微软雅黑" panose="020B0503020204020204" pitchFamily="34" charset="-122"/>
-                <a:ea typeface="微软雅黑" panose="020B0503020204020204" pitchFamily="34" charset="-122"/>
-              </a:rPr>
-              <a:t>计划，</a:t>
-            </a:r>
-            <a:r>
-              <a:rPr lang="zh-CN" altLang="en-US" b="1" dirty="0" smtClean="0">
-                <a:latin typeface="微软雅黑" panose="020B0503020204020204" pitchFamily="34" charset="-122"/>
-                <a:ea typeface="微软雅黑" panose="020B0503020204020204" pitchFamily="34" charset="-122"/>
-              </a:rPr>
-              <a:t>在开发计划中确定本地迭代的目标和范围</a:t>
-            </a:r>
-            <a:endParaRPr lang="zh-CN" altLang="en-US" dirty="0">
-              <a:latin typeface="微软雅黑" panose="020B0503020204020204" pitchFamily="34" charset="-122"/>
-              <a:ea typeface="微软雅黑" panose="020B0503020204020204" pitchFamily="34" charset="-122"/>
-            </a:endParaRPr>
-          </a:p>
-          <a:p>
-            <a:pPr>
-              <a:lnSpc>
-                <a:spcPct val="150000"/>
-              </a:lnSpc>
-            </a:pPr>
-            <a:r>
-              <a:rPr lang="zh-CN" altLang="en-US" b="1" dirty="0" smtClean="0">
                 <a:solidFill>
                   <a:srgbClr val="FF0000"/>
                 </a:solidFill>
                 <a:latin typeface="微软雅黑" panose="020B0503020204020204" pitchFamily="34" charset="-122"/>
                 <a:ea typeface="微软雅黑" panose="020B0503020204020204" pitchFamily="34" charset="-122"/>
               </a:rPr>
-              <a:t>时间要求：</a:t>
-            </a:r>
-          </a:p>
-          <a:p>
-            <a:pPr>
-              <a:lnSpc>
-                <a:spcPct val="150000"/>
-              </a:lnSpc>
-            </a:pPr>
+              <a:t>每周五</a:t>
+            </a:r>
             <a:r>
               <a:rPr lang="zh-CN" altLang="en-US" dirty="0" smtClean="0">
                 <a:latin typeface="微软雅黑" panose="020B0503020204020204" pitchFamily="34" charset="-122"/>
                 <a:ea typeface="微软雅黑" panose="020B0503020204020204" pitchFamily="34" charset="-122"/>
               </a:rPr>
-              <a:t>上次迭代的上线期开始并行本次迭代的需求，必须在正式的</a:t>
-            </a:r>
-            <a:r>
-              <a:rPr lang="en-US" altLang="zh-CN" dirty="0" smtClean="0">
-                <a:latin typeface="微软雅黑" panose="020B0503020204020204" pitchFamily="34" charset="-122"/>
-                <a:ea typeface="微软雅黑" panose="020B0503020204020204" pitchFamily="34" charset="-122"/>
-              </a:rPr>
-              <a:t>kick off</a:t>
+              <a:t>都需要给</a:t>
             </a:r>
             <a:r>
               <a:rPr lang="zh-CN" altLang="en-US" dirty="0" smtClean="0">
                 <a:latin typeface="微软雅黑" panose="020B0503020204020204" pitchFamily="34" charset="-122"/>
                 <a:ea typeface="微软雅黑" panose="020B0503020204020204" pitchFamily="34" charset="-122"/>
               </a:rPr>
-              <a:t>全体大会前完成此阶段的工作，完成输出物</a:t>
+              <a:t>出</a:t>
+            </a:r>
+            <a:r>
+              <a:rPr lang="zh-CN" altLang="en-US" dirty="0" smtClean="0">
+                <a:latin typeface="微软雅黑" panose="020B0503020204020204" pitchFamily="34" charset="-122"/>
+                <a:ea typeface="微软雅黑" panose="020B0503020204020204" pitchFamily="34" charset="-122"/>
+              </a:rPr>
+              <a:t>或更新</a:t>
+            </a:r>
+            <a:r>
+              <a:rPr lang="zh-CN" altLang="en-US" dirty="0" smtClean="0">
+                <a:latin typeface="微软雅黑" panose="020B0503020204020204" pitchFamily="34" charset="-122"/>
+                <a:ea typeface="微软雅黑" panose="020B0503020204020204" pitchFamily="34" charset="-122"/>
+              </a:rPr>
+              <a:t>产品</a:t>
+            </a:r>
+            <a:r>
+              <a:rPr lang="zh-CN" altLang="en-US" dirty="0" smtClean="0">
+                <a:latin typeface="微软雅黑" panose="020B0503020204020204" pitchFamily="34" charset="-122"/>
+                <a:ea typeface="微软雅黑" panose="020B0503020204020204" pitchFamily="34" charset="-122"/>
+              </a:rPr>
+              <a:t>的工作计划，包括产品本身的以及对设计、测试、开发的时间进度期望和优先</a:t>
+            </a:r>
+            <a:r>
+              <a:rPr lang="zh-CN" altLang="en-US" dirty="0" smtClean="0">
+                <a:latin typeface="微软雅黑" panose="020B0503020204020204" pitchFamily="34" charset="-122"/>
+                <a:ea typeface="微软雅黑" panose="020B0503020204020204" pitchFamily="34" charset="-122"/>
+              </a:rPr>
+              <a:t>级</a:t>
             </a:r>
             <a:endParaRPr lang="zh-CN" altLang="en-US" dirty="0">
               <a:latin typeface="微软雅黑" panose="020B0503020204020204" pitchFamily="34" charset="-122"/>
@@ -19132,7 +19357,7 @@
         </p:nvSpPr>
         <p:spPr>
           <a:xfrm>
-            <a:off x="431800" y="5215467"/>
+            <a:off x="232834" y="5344054"/>
             <a:ext cx="3344333" cy="369332"/>
           </a:xfrm>
           <a:prstGeom prst="rect">
@@ -19152,17 +19377,9 @@
                 <a:ea typeface="Microsoft YaHei" charset="0"/>
                 <a:cs typeface="Microsoft YaHei" charset="0"/>
               </a:rPr>
-              <a:t>＊黑体</a:t>
-            </a:r>
-            <a:r>
-              <a:rPr kumimoji="1" lang="zh-CN" altLang="en-US" smtClean="0">
-                <a:latin typeface="Microsoft YaHei" charset="0"/>
-                <a:ea typeface="Microsoft YaHei" charset="0"/>
-                <a:cs typeface="Microsoft YaHei" charset="0"/>
-              </a:rPr>
-              <a:t>为交付物</a:t>
-            </a:r>
-            <a:endParaRPr kumimoji="1" lang="zh-CN" altLang="en-US">
+              <a:t>＊黑体为交付物，下同</a:t>
+            </a:r>
+            <a:endParaRPr kumimoji="1" lang="zh-CN" altLang="en-US" dirty="0">
               <a:latin typeface="Microsoft YaHei" charset="0"/>
               <a:ea typeface="Microsoft YaHei" charset="0"/>
               <a:cs typeface="Microsoft YaHei" charset="0"/>
@@ -19232,14 +19449,14 @@
           <p:nvPr>
             <p:extLst>
               <p:ext uri="{D42A27DB-BD31-4B8C-83A1-F6EECF244321}">
-                <p14:modId xmlns:p14="http://schemas.microsoft.com/office/powerpoint/2010/main" val="922549452"/>
+                <p14:modId xmlns:p14="http://schemas.microsoft.com/office/powerpoint/2010/main" val="1741016838"/>
               </p:ext>
             </p:extLst>
           </p:nvPr>
         </p:nvGraphicFramePr>
         <p:xfrm>
           <a:off x="431797" y="1202266"/>
-          <a:ext cx="11167537" cy="2135796"/>
+          <a:ext cx="11167537" cy="1495716"/>
         </p:xfrm>
         <a:graphic>
           <a:graphicData uri="http://schemas.openxmlformats.org/drawingml/2006/table">
@@ -19399,7 +19616,7 @@
                           <a:ea typeface="Microsoft YaHei" charset="0"/>
                           <a:cs typeface="Microsoft YaHei" charset="0"/>
                         </a:rPr>
-                        <a:t>需求文本、简图、交互逻辑</a:t>
+                        <a:t>需求文本、简图、交互逻辑、原型</a:t>
                       </a:r>
                       <a:endParaRPr lang="zh-CN" altLang="en-US" dirty="0">
                         <a:latin typeface="Microsoft YaHei" charset="0"/>
@@ -19445,7 +19662,7 @@
                           <a:ea typeface="Microsoft YaHei" charset="0"/>
                           <a:cs typeface="Microsoft YaHei" charset="0"/>
                         </a:rPr>
-                        <a:t>原型</a:t>
+                        <a:t>设计</a:t>
                       </a:r>
                       <a:endParaRPr lang="zh-CN" altLang="en-US" dirty="0">
                         <a:latin typeface="Microsoft YaHei" charset="0"/>
@@ -19467,7 +19684,7 @@
                           <a:ea typeface="Microsoft YaHei" charset="0"/>
                           <a:cs typeface="Microsoft YaHei" charset="0"/>
                         </a:rPr>
-                        <a:t>交互设计师、视觉设计师</a:t>
+                        <a:t>视觉设计师</a:t>
                       </a:r>
                       <a:endParaRPr lang="zh-CN" altLang="en-US" dirty="0">
                         <a:latin typeface="Microsoft YaHei" charset="0"/>
@@ -19489,7 +19706,7 @@
                           <a:ea typeface="Microsoft YaHei" charset="0"/>
                           <a:cs typeface="Microsoft YaHei" charset="0"/>
                         </a:rPr>
-                        <a:t>原型、设计图</a:t>
+                        <a:t>设计图</a:t>
                       </a:r>
                       <a:endParaRPr lang="zh-CN" altLang="en-US" dirty="0">
                         <a:latin typeface="Microsoft YaHei" charset="0"/>
@@ -19511,7 +19728,7 @@
                           <a:ea typeface="Microsoft YaHei" charset="0"/>
                           <a:cs typeface="Microsoft YaHei" charset="0"/>
                         </a:rPr>
-                        <a:t>原型，邮件和协作</a:t>
+                        <a:t>设计图</a:t>
                       </a:r>
                       <a:endParaRPr lang="zh-CN" altLang="en-US" dirty="0">
                         <a:latin typeface="Microsoft YaHei" charset="0"/>
@@ -19535,15 +19752,7 @@
                           <a:ea typeface="Microsoft YaHei" charset="0"/>
                           <a:cs typeface="Microsoft YaHei" charset="0"/>
                         </a:rPr>
-                        <a:t>优先</a:t>
-                      </a:r>
-                      <a:r>
-                        <a:rPr lang="zh-CN" altLang="en-US" dirty="0" smtClean="0">
-                          <a:latin typeface="Microsoft YaHei" charset="0"/>
-                          <a:ea typeface="Microsoft YaHei" charset="0"/>
-                          <a:cs typeface="Microsoft YaHei" charset="0"/>
-                        </a:rPr>
-                        <a:t>级</a:t>
+                        <a:t>优先级</a:t>
                       </a:r>
                       <a:endParaRPr lang="zh-CN" altLang="en-US" dirty="0">
                         <a:latin typeface="Microsoft YaHei" charset="0"/>
@@ -19565,15 +19774,7 @@
                           <a:ea typeface="Microsoft YaHei" charset="0"/>
                           <a:cs typeface="Microsoft YaHei" charset="0"/>
                         </a:rPr>
-                        <a:t>产品</a:t>
-                      </a:r>
-                      <a:r>
-                        <a:rPr lang="zh-CN" altLang="en-US" dirty="0" smtClean="0">
-                          <a:latin typeface="Microsoft YaHei" charset="0"/>
-                          <a:ea typeface="Microsoft YaHei" charset="0"/>
-                          <a:cs typeface="Microsoft YaHei" charset="0"/>
-                        </a:rPr>
-                        <a:t>经理</a:t>
+                        <a:t>产品经理</a:t>
                       </a:r>
                       <a:endParaRPr lang="zh-CN" altLang="en-US" dirty="0">
                         <a:latin typeface="Microsoft YaHei" charset="0"/>
@@ -19618,96 +19819,6 @@
                           <a:cs typeface="Microsoft YaHei" charset="0"/>
                         </a:rPr>
                         <a:t>邮件</a:t>
-                      </a:r>
-                      <a:endParaRPr lang="zh-CN" altLang="en-US" dirty="0">
-                        <a:latin typeface="Microsoft YaHei" charset="0"/>
-                        <a:ea typeface="Microsoft YaHei" charset="0"/>
-                        <a:cs typeface="Microsoft YaHei" charset="0"/>
-                      </a:endParaRPr>
-                    </a:p>
-                  </a:txBody>
-                  <a:tcPr/>
-                </a:tc>
-              </a:tr>
-              <a:tr h="376652">
-                <a:tc>
-                  <a:txBody>
-                    <a:bodyPr/>
-                    <a:lstStyle/>
-                    <a:p>
-                      <a:r>
-                        <a:rPr lang="zh-CN" altLang="en-US" dirty="0" smtClean="0">
-                          <a:latin typeface="Microsoft YaHei" charset="0"/>
-                          <a:ea typeface="Microsoft YaHei" charset="0"/>
-                          <a:cs typeface="Microsoft YaHei" charset="0"/>
-                        </a:rPr>
-                        <a:t>开发计划</a:t>
-                      </a:r>
-                      <a:endParaRPr lang="zh-CN" altLang="en-US" dirty="0">
-                        <a:latin typeface="Microsoft YaHei" charset="0"/>
-                        <a:ea typeface="Microsoft YaHei" charset="0"/>
-                        <a:cs typeface="Microsoft YaHei" charset="0"/>
-                      </a:endParaRPr>
-                    </a:p>
-                  </a:txBody>
-                  <a:tcPr/>
-                </a:tc>
-                <a:tc>
-                  <a:txBody>
-                    <a:bodyPr/>
-                    <a:lstStyle/>
-                    <a:p>
-                      <a:r>
-                        <a:rPr lang="zh-CN" altLang="en-US" dirty="0" smtClean="0">
-                          <a:latin typeface="Microsoft YaHei" charset="0"/>
-                          <a:ea typeface="Microsoft YaHei" charset="0"/>
-                          <a:cs typeface="Microsoft YaHei" charset="0"/>
-                        </a:rPr>
-                        <a:t>技术经理</a:t>
-                      </a:r>
-                      <a:endParaRPr lang="zh-CN" altLang="en-US" dirty="0">
-                        <a:latin typeface="Microsoft YaHei" charset="0"/>
-                        <a:ea typeface="Microsoft YaHei" charset="0"/>
-                        <a:cs typeface="Microsoft YaHei" charset="0"/>
-                      </a:endParaRPr>
-                    </a:p>
-                  </a:txBody>
-                  <a:tcPr/>
-                </a:tc>
-                <a:tc>
-                  <a:txBody>
-                    <a:bodyPr/>
-                    <a:lstStyle/>
-                    <a:p>
-                      <a:r>
-                        <a:rPr lang="zh-CN" altLang="en-US" dirty="0" smtClean="0">
-                          <a:latin typeface="Microsoft YaHei" charset="0"/>
-                          <a:ea typeface="Microsoft YaHei" charset="0"/>
-                          <a:cs typeface="Microsoft YaHei" charset="0"/>
-                        </a:rPr>
-                        <a:t>需求分解，计划到人、到天</a:t>
-                      </a:r>
-                      <a:endParaRPr lang="zh-CN" altLang="en-US" dirty="0">
-                        <a:latin typeface="Microsoft YaHei" charset="0"/>
-                        <a:ea typeface="Microsoft YaHei" charset="0"/>
-                        <a:cs typeface="Microsoft YaHei" charset="0"/>
-                      </a:endParaRPr>
-                    </a:p>
-                  </a:txBody>
-                  <a:tcPr/>
-                </a:tc>
-                <a:tc>
-                  <a:txBody>
-                    <a:bodyPr/>
-                    <a:lstStyle/>
-                    <a:p>
-                      <a:r>
-                        <a:rPr lang="zh-CN" altLang="en-US" dirty="0" smtClean="0">
-                          <a:latin typeface="Microsoft YaHei" charset="0"/>
-                          <a:ea typeface="Microsoft YaHei" charset="0"/>
-                          <a:cs typeface="Microsoft YaHei" charset="0"/>
-                        </a:rPr>
-                        <a:t>文档，邮件和协作</a:t>
                       </a:r>
                       <a:endParaRPr lang="zh-CN" altLang="en-US" dirty="0">
                         <a:latin typeface="Microsoft YaHei" charset="0"/>
@@ -19803,8 +19914,8 @@
         </p:nvSpPr>
         <p:spPr>
           <a:xfrm>
-            <a:off x="182034" y="1049897"/>
-            <a:ext cx="11607800" cy="5078313"/>
+            <a:off x="182034" y="764088"/>
+            <a:ext cx="11607800" cy="5493812"/>
           </a:xfrm>
           <a:prstGeom prst="rect">
             <a:avLst/>
@@ -19842,6 +19953,34 @@
               <a:buChar char="•"/>
             </a:pPr>
             <a:r>
+              <a:rPr lang="zh-CN" altLang="en-US" dirty="0">
+                <a:latin typeface="微软雅黑" panose="020B0503020204020204" pitchFamily="34" charset="-122"/>
+                <a:ea typeface="微软雅黑" panose="020B0503020204020204" pitchFamily="34" charset="-122"/>
+              </a:rPr>
+              <a:t>由开发经理完成</a:t>
+            </a:r>
+            <a:r>
+              <a:rPr lang="zh-CN" altLang="en-US" b="1" dirty="0">
+                <a:latin typeface="微软雅黑" panose="020B0503020204020204" pitchFamily="34" charset="-122"/>
+                <a:ea typeface="微软雅黑" panose="020B0503020204020204" pitchFamily="34" charset="-122"/>
+              </a:rPr>
+              <a:t>开发计划，在开发计划中确定本地迭代的目标和</a:t>
+            </a:r>
+            <a:r>
+              <a:rPr lang="zh-CN" altLang="en-US" b="1" dirty="0" smtClean="0">
+                <a:latin typeface="微软雅黑" panose="020B0503020204020204" pitchFamily="34" charset="-122"/>
+                <a:ea typeface="微软雅黑" panose="020B0503020204020204" pitchFamily="34" charset="-122"/>
+              </a:rPr>
+              <a:t>范围</a:t>
+            </a:r>
+            <a:r>
+              <a:rPr lang="zh-CN" altLang="en-US" dirty="0">
+                <a:latin typeface="微软雅黑" panose="020B0503020204020204" pitchFamily="34" charset="-122"/>
+                <a:ea typeface="微软雅黑" panose="020B0503020204020204" pitchFamily="34" charset="-122"/>
+              </a:rPr>
+              <a:t>。</a:t>
+            </a:r>
+            <a:r>
               <a:rPr lang="zh-CN" altLang="en-US" dirty="0" smtClean="0">
                 <a:latin typeface="微软雅黑" panose="020B0503020204020204" pitchFamily="34" charset="-122"/>
                 <a:ea typeface="微软雅黑" panose="020B0503020204020204" pitchFamily="34" charset="-122"/>
@@ -19856,34 +19995,190 @@
               <a:t>kick off</a:t>
             </a:r>
             <a:r>
-              <a:rPr lang="en-US" altLang="zh-CN" dirty="0" smtClean="0">
-                <a:latin typeface="微软雅黑" panose="020B0503020204020204" pitchFamily="34" charset="-122"/>
-                <a:ea typeface="微软雅黑" panose="020B0503020204020204" pitchFamily="34" charset="-122"/>
-              </a:rPr>
-              <a:t>30</a:t>
-            </a:r>
-            <a:r>
               <a:rPr lang="zh-CN" altLang="en-US" dirty="0" smtClean="0">
                 <a:latin typeface="微软雅黑" panose="020B0503020204020204" pitchFamily="34" charset="-122"/>
                 <a:ea typeface="微软雅黑" panose="020B0503020204020204" pitchFamily="34" charset="-122"/>
               </a:rPr>
-              <a:t>分钟到</a:t>
-            </a:r>
-            <a:r>
-              <a:rPr lang="en-US" altLang="zh-CN" dirty="0" smtClean="0">
+              <a:t>，介绍需求和开发计划。小型迭代以邮件和线下沟通形式。根据开发计划可视化到</a:t>
+            </a:r>
+            <a:r>
+              <a:rPr lang="zh-CN" altLang="en-US" b="1" dirty="0" smtClean="0">
                 <a:latin typeface="微软雅黑" panose="020B0503020204020204" pitchFamily="34" charset="-122"/>
                 <a:ea typeface="微软雅黑" panose="020B0503020204020204" pitchFamily="34" charset="-122"/>
               </a:rPr>
-              <a:t>1</a:t>
+              <a:t>看板</a:t>
             </a:r>
             <a:r>
               <a:rPr lang="zh-CN" altLang="en-US" dirty="0" smtClean="0">
                 <a:latin typeface="微软雅黑" panose="020B0503020204020204" pitchFamily="34" charset="-122"/>
                 <a:ea typeface="微软雅黑" panose="020B0503020204020204" pitchFamily="34" charset="-122"/>
               </a:rPr>
-              <a:t>个小时，介绍需求和开发计划，并进行相应修订</a:t>
-            </a:r>
-            <a:endParaRPr lang="zh-CN" altLang="en-US" dirty="0">
+              <a:t>上进行进度追踪</a:t>
+            </a:r>
+          </a:p>
+          <a:p>
+            <a:pPr marL="285750" indent="-285750">
+              <a:lnSpc>
+                <a:spcPct val="150000"/>
+              </a:lnSpc>
+              <a:buFont typeface="Arial" charset="0"/>
+              <a:buChar char="•"/>
+            </a:pPr>
+            <a:r>
+              <a:rPr lang="zh-CN" altLang="en-US" dirty="0" smtClean="0">
+                <a:latin typeface="微软雅黑" panose="020B0503020204020204" pitchFamily="34" charset="-122"/>
+                <a:ea typeface="微软雅黑" panose="020B0503020204020204" pitchFamily="34" charset="-122"/>
+              </a:rPr>
+              <a:t>架构师完成</a:t>
+            </a:r>
+            <a:r>
+              <a:rPr lang="zh-CN" altLang="en-US" b="1" dirty="0" smtClean="0">
+                <a:latin typeface="微软雅黑" panose="020B0503020204020204" pitchFamily="34" charset="-122"/>
+                <a:ea typeface="微软雅黑" panose="020B0503020204020204" pitchFamily="34" charset="-122"/>
+              </a:rPr>
+              <a:t>前后台技术架构</a:t>
+            </a:r>
+            <a:r>
+              <a:rPr lang="zh-CN" altLang="en-US" dirty="0" smtClean="0">
+                <a:latin typeface="微软雅黑" panose="020B0503020204020204" pitchFamily="34" charset="-122"/>
+                <a:ea typeface="微软雅黑" panose="020B0503020204020204" pitchFamily="34" charset="-122"/>
+              </a:rPr>
+              <a:t>的更新，前台应该着重</a:t>
+            </a:r>
+            <a:r>
+              <a:rPr lang="zh-CN" altLang="en-US" dirty="0" smtClean="0">
+                <a:latin typeface="微软雅黑" panose="020B0503020204020204" pitchFamily="34" charset="-122"/>
+                <a:ea typeface="微软雅黑" panose="020B0503020204020204" pitchFamily="34" charset="-122"/>
+              </a:rPr>
+              <a:t>考虑组</a:t>
+            </a:r>
+            <a:r>
+              <a:rPr lang="zh-CN" altLang="en-US" dirty="0" smtClean="0">
+                <a:latin typeface="微软雅黑" panose="020B0503020204020204" pitchFamily="34" charset="-122"/>
+                <a:ea typeface="微软雅黑" panose="020B0503020204020204" pitchFamily="34" charset="-122"/>
+              </a:rPr>
+              <a:t>件</a:t>
+            </a:r>
+            <a:r>
+              <a:rPr lang="zh-CN" altLang="en-US" dirty="0" smtClean="0">
+                <a:latin typeface="微软雅黑" panose="020B0503020204020204" pitchFamily="34" charset="-122"/>
+                <a:ea typeface="微软雅黑" panose="020B0503020204020204" pitchFamily="34" charset="-122"/>
+              </a:rPr>
+              <a:t>的</a:t>
+            </a:r>
+            <a:r>
+              <a:rPr lang="zh-CN" altLang="en-US" dirty="0" smtClean="0">
+                <a:latin typeface="微软雅黑" panose="020B0503020204020204" pitchFamily="34" charset="-122"/>
+                <a:ea typeface="微软雅黑" panose="020B0503020204020204" pitchFamily="34" charset="-122"/>
+              </a:rPr>
+              <a:t>抽象和重用，后端应该着重考虑模块间交互和与前端</a:t>
+            </a:r>
+            <a:r>
+              <a:rPr lang="zh-CN" altLang="en-US" dirty="0" smtClean="0">
+                <a:latin typeface="微软雅黑" panose="020B0503020204020204" pitchFamily="34" charset="-122"/>
+                <a:ea typeface="微软雅黑" panose="020B0503020204020204" pitchFamily="34" charset="-122"/>
+              </a:rPr>
+              <a:t>的</a:t>
+            </a:r>
+            <a:r>
+              <a:rPr lang="zh-CN" altLang="en-US" dirty="0" smtClean="0">
+                <a:latin typeface="微软雅黑" panose="020B0503020204020204" pitchFamily="34" charset="-122"/>
+                <a:ea typeface="微软雅黑" panose="020B0503020204020204" pitchFamily="34" charset="-122"/>
+              </a:rPr>
+              <a:t>配合</a:t>
+            </a:r>
+            <a:r>
+              <a:rPr lang="zh-CN" altLang="en-US" dirty="0" smtClean="0">
+                <a:latin typeface="微软雅黑" panose="020B0503020204020204" pitchFamily="34" charset="-122"/>
+                <a:ea typeface="微软雅黑" panose="020B0503020204020204" pitchFamily="34" charset="-122"/>
+              </a:rPr>
+              <a:t>，</a:t>
+            </a:r>
+            <a:r>
+              <a:rPr lang="zh-CN" altLang="en-US" dirty="0" smtClean="0">
+                <a:latin typeface="微软雅黑" panose="020B0503020204020204" pitchFamily="34" charset="-122"/>
+                <a:ea typeface="微软雅黑" panose="020B0503020204020204" pitchFamily="34" charset="-122"/>
+              </a:rPr>
+              <a:t>并</a:t>
+            </a:r>
+            <a:r>
+              <a:rPr lang="zh-CN" altLang="en-US" dirty="0" smtClean="0">
+                <a:latin typeface="微软雅黑" panose="020B0503020204020204" pitchFamily="34" charset="-122"/>
+                <a:ea typeface="微软雅黑" panose="020B0503020204020204" pitchFamily="34" charset="-122"/>
+              </a:rPr>
+              <a:t>进行</a:t>
+            </a:r>
+            <a:r>
+              <a:rPr lang="zh-CN" altLang="en-US" b="1" dirty="0" smtClean="0">
+                <a:latin typeface="微软雅黑" panose="020B0503020204020204" pitchFamily="34" charset="-122"/>
+                <a:ea typeface="微软雅黑" panose="020B0503020204020204" pitchFamily="34" charset="-122"/>
+              </a:rPr>
+              <a:t>架构</a:t>
+            </a:r>
+            <a:r>
+              <a:rPr lang="zh-CN" altLang="en-US" b="1" dirty="0" smtClean="0">
+                <a:latin typeface="微软雅黑" panose="020B0503020204020204" pitchFamily="34" charset="-122"/>
+                <a:ea typeface="微软雅黑" panose="020B0503020204020204" pitchFamily="34" charset="-122"/>
+              </a:rPr>
+              <a:t>评审</a:t>
+            </a:r>
+            <a:r>
+              <a:rPr lang="zh-CN" altLang="en-US" dirty="0" smtClean="0">
+                <a:latin typeface="微软雅黑" panose="020B0503020204020204" pitchFamily="34" charset="-122"/>
+                <a:ea typeface="微软雅黑" panose="020B0503020204020204" pitchFamily="34" charset="-122"/>
+              </a:rPr>
+              <a:t>。后端开发人员根据分配的任务进行</a:t>
+            </a:r>
+            <a:r>
+              <a:rPr lang="zh-CN" altLang="en-US" b="1" dirty="0" smtClean="0">
+                <a:latin typeface="微软雅黑" panose="020B0503020204020204" pitchFamily="34" charset="-122"/>
+                <a:ea typeface="微软雅黑" panose="020B0503020204020204" pitchFamily="34" charset="-122"/>
+              </a:rPr>
+              <a:t>详细设计</a:t>
+            </a:r>
+            <a:r>
+              <a:rPr lang="zh-CN" altLang="en-US" dirty="0" smtClean="0">
+                <a:latin typeface="微软雅黑" panose="020B0503020204020204" pitchFamily="34" charset="-122"/>
+                <a:ea typeface="微软雅黑" panose="020B0503020204020204" pitchFamily="34" charset="-122"/>
+              </a:rPr>
+              <a:t>（例如</a:t>
+            </a:r>
+            <a:r>
+              <a:rPr lang="en-US" altLang="zh-CN" dirty="0" err="1" smtClean="0">
+                <a:latin typeface="微软雅黑" panose="020B0503020204020204" pitchFamily="34" charset="-122"/>
+                <a:ea typeface="微软雅黑" panose="020B0503020204020204" pitchFamily="34" charset="-122"/>
+              </a:rPr>
+              <a:t>api</a:t>
+            </a:r>
+            <a:r>
+              <a:rPr lang="zh-CN" altLang="en-US" dirty="0" smtClean="0">
+                <a:latin typeface="微软雅黑" panose="020B0503020204020204" pitchFamily="34" charset="-122"/>
+                <a:ea typeface="微软雅黑" panose="020B0503020204020204" pitchFamily="34" charset="-122"/>
+              </a:rPr>
+              <a:t>接口），并</a:t>
+            </a:r>
+            <a:r>
+              <a:rPr lang="zh-CN" altLang="en-US" dirty="0" smtClean="0">
+                <a:latin typeface="微软雅黑" panose="020B0503020204020204" pitchFamily="34" charset="-122"/>
+                <a:ea typeface="微软雅黑" panose="020B0503020204020204" pitchFamily="34" charset="-122"/>
+              </a:rPr>
+              <a:t>进行</a:t>
+            </a:r>
+            <a:r>
+              <a:rPr lang="zh-CN" altLang="en-US" b="1" dirty="0" smtClean="0">
+                <a:latin typeface="微软雅黑" panose="020B0503020204020204" pitchFamily="34" charset="-122"/>
+                <a:ea typeface="微软雅黑" panose="020B0503020204020204" pitchFamily="34" charset="-122"/>
+              </a:rPr>
+              <a:t>接口</a:t>
+            </a:r>
+            <a:r>
+              <a:rPr lang="zh-CN" altLang="en-US" b="1" dirty="0" smtClean="0">
+                <a:latin typeface="微软雅黑" panose="020B0503020204020204" pitchFamily="34" charset="-122"/>
+                <a:ea typeface="微软雅黑" panose="020B0503020204020204" pitchFamily="34" charset="-122"/>
+              </a:rPr>
+              <a:t>评审</a:t>
+            </a:r>
+            <a:endParaRPr lang="zh-CN" altLang="en-US" b="1" dirty="0" smtClean="0">
               <a:latin typeface="微软雅黑" panose="020B0503020204020204" pitchFamily="34" charset="-122"/>
               <a:ea typeface="微软雅黑" panose="020B0503020204020204" pitchFamily="34" charset="-122"/>
             </a:endParaRPr>
@@ -19901,21 +20196,84 @@
                 <a:latin typeface="微软雅黑" panose="020B0503020204020204" pitchFamily="34" charset="-122"/>
                 <a:ea typeface="微软雅黑" panose="020B0503020204020204" pitchFamily="34" charset="-122"/>
               </a:rPr>
-              <a:t>根据开发计划可视化到</a:t>
+              <a:t>后端开发人员进行开发，优先实现接口对外服务的能力，然后是内部逻辑，最后是单元测试代码，并在测试环境上完成</a:t>
             </a:r>
             <a:r>
               <a:rPr lang="zh-CN" altLang="en-US" b="1" dirty="0" smtClean="0">
                 <a:latin typeface="微软雅黑" panose="020B0503020204020204" pitchFamily="34" charset="-122"/>
                 <a:ea typeface="微软雅黑" panose="020B0503020204020204" pitchFamily="34" charset="-122"/>
               </a:rPr>
-              <a:t>看板</a:t>
+              <a:t>集成</a:t>
+            </a:r>
+            <a:r>
+              <a:rPr lang="zh-CN" altLang="en-US" b="1" dirty="0" smtClean="0">
+                <a:latin typeface="微软雅黑" panose="020B0503020204020204" pitchFamily="34" charset="-122"/>
+                <a:ea typeface="微软雅黑" panose="020B0503020204020204" pitchFamily="34" charset="-122"/>
+              </a:rPr>
+              <a:t>测试</a:t>
+            </a:r>
+            <a:r>
+              <a:rPr lang="zh-CN" altLang="en-US" dirty="0">
+                <a:latin typeface="微软雅黑" panose="020B0503020204020204" pitchFamily="34" charset="-122"/>
+                <a:ea typeface="微软雅黑" panose="020B0503020204020204" pitchFamily="34" charset="-122"/>
+              </a:rPr>
+              <a:t>；</a:t>
             </a:r>
             <a:r>
               <a:rPr lang="zh-CN" altLang="en-US" dirty="0" smtClean="0">
                 <a:latin typeface="微软雅黑" panose="020B0503020204020204" pitchFamily="34" charset="-122"/>
                 <a:ea typeface="微软雅黑" panose="020B0503020204020204" pitchFamily="34" charset="-122"/>
               </a:rPr>
-              <a:t>上进行进度追踪</a:t>
+              <a:t>前端</a:t>
+            </a:r>
+            <a:r>
+              <a:rPr lang="zh-CN" altLang="en-US" dirty="0" smtClean="0">
+                <a:latin typeface="微软雅黑" panose="020B0503020204020204" pitchFamily="34" charset="-122"/>
+                <a:ea typeface="微软雅黑" panose="020B0503020204020204" pitchFamily="34" charset="-122"/>
+              </a:rPr>
+              <a:t>开发人员进行开发，并进行本地测试后</a:t>
+            </a:r>
+            <a:r>
+              <a:rPr lang="zh-CN" altLang="en-US" dirty="0" smtClean="0">
+                <a:latin typeface="微软雅黑" panose="020B0503020204020204" pitchFamily="34" charset="-122"/>
+                <a:ea typeface="微软雅黑" panose="020B0503020204020204" pitchFamily="34" charset="-122"/>
+              </a:rPr>
+              <a:t>再</a:t>
+            </a:r>
+            <a:r>
+              <a:rPr lang="zh-CN" altLang="en-US" dirty="0" smtClean="0">
+                <a:latin typeface="微软雅黑" panose="020B0503020204020204" pitchFamily="34" charset="-122"/>
+                <a:ea typeface="微软雅黑" panose="020B0503020204020204" pitchFamily="34" charset="-122"/>
+              </a:rPr>
+              <a:t>上</a:t>
+            </a:r>
+            <a:r>
+              <a:rPr lang="zh-CN" altLang="en-US" dirty="0" smtClean="0">
+                <a:latin typeface="微软雅黑" panose="020B0503020204020204" pitchFamily="34" charset="-122"/>
+                <a:ea typeface="微软雅黑" panose="020B0503020204020204" pitchFamily="34" charset="-122"/>
+              </a:rPr>
+              <a:t>测试</a:t>
+            </a:r>
+            <a:r>
+              <a:rPr lang="zh-CN" altLang="en-US" dirty="0" smtClean="0">
+                <a:latin typeface="微软雅黑" panose="020B0503020204020204" pitchFamily="34" charset="-122"/>
+                <a:ea typeface="微软雅黑" panose="020B0503020204020204" pitchFamily="34" charset="-122"/>
+              </a:rPr>
+              <a:t>环境完成集成</a:t>
+            </a:r>
+            <a:r>
+              <a:rPr lang="zh-CN" altLang="en-US" dirty="0" smtClean="0">
+                <a:latin typeface="微软雅黑" panose="020B0503020204020204" pitchFamily="34" charset="-122"/>
+                <a:ea typeface="微软雅黑" panose="020B0503020204020204" pitchFamily="34" charset="-122"/>
+              </a:rPr>
+              <a:t>测试，需要</a:t>
+            </a:r>
+            <a:r>
+              <a:rPr lang="zh-CN" altLang="en-US" dirty="0" smtClean="0">
+                <a:latin typeface="微软雅黑" panose="020B0503020204020204" pitchFamily="34" charset="-122"/>
+                <a:ea typeface="微软雅黑" panose="020B0503020204020204" pitchFamily="34" charset="-122"/>
+              </a:rPr>
+              <a:t>同步编写单元测试代码</a:t>
             </a:r>
           </a:p>
           <a:p>
@@ -19931,65 +20289,113 @@
                 <a:latin typeface="微软雅黑" panose="020B0503020204020204" pitchFamily="34" charset="-122"/>
                 <a:ea typeface="微软雅黑" panose="020B0503020204020204" pitchFamily="34" charset="-122"/>
               </a:rPr>
-              <a:t>架构师完成</a:t>
+              <a:t>前后台开发人员自己完成测试以后移动工作内容到看板的</a:t>
+            </a:r>
+            <a:r>
+              <a:rPr lang="en-US" altLang="zh-CN" dirty="0" smtClean="0">
+                <a:latin typeface="微软雅黑" panose="020B0503020204020204" pitchFamily="34" charset="-122"/>
+                <a:ea typeface="微软雅黑" panose="020B0503020204020204" pitchFamily="34" charset="-122"/>
+              </a:rPr>
+              <a:t>Testing</a:t>
+            </a:r>
+            <a:r>
+              <a:rPr lang="zh-CN" altLang="en-US" dirty="0" smtClean="0">
+                <a:latin typeface="微软雅黑" panose="020B0503020204020204" pitchFamily="34" charset="-122"/>
+                <a:ea typeface="微软雅黑" panose="020B0503020204020204" pitchFamily="34" charset="-122"/>
+              </a:rPr>
+              <a:t>区域，由</a:t>
+            </a:r>
+            <a:r>
+              <a:rPr lang="en-US" altLang="zh-CN" dirty="0" smtClean="0">
+                <a:latin typeface="微软雅黑" panose="020B0503020204020204" pitchFamily="34" charset="-122"/>
+                <a:ea typeface="微软雅黑" panose="020B0503020204020204" pitchFamily="34" charset="-122"/>
+              </a:rPr>
+              <a:t>QA</a:t>
+            </a:r>
+            <a:r>
+              <a:rPr lang="zh-CN" altLang="en-US" dirty="0" smtClean="0">
+                <a:latin typeface="微软雅黑" panose="020B0503020204020204" pitchFamily="34" charset="-122"/>
+                <a:ea typeface="微软雅黑" panose="020B0503020204020204" pitchFamily="34" charset="-122"/>
+              </a:rPr>
+              <a:t>人员</a:t>
+            </a:r>
+            <a:r>
+              <a:rPr lang="zh-CN" altLang="en-US" dirty="0" smtClean="0">
+                <a:latin typeface="微软雅黑" panose="020B0503020204020204" pitchFamily="34" charset="-122"/>
+                <a:ea typeface="微软雅黑" panose="020B0503020204020204" pitchFamily="34" charset="-122"/>
+              </a:rPr>
+              <a:t>验收。如果</a:t>
+            </a:r>
+            <a:r>
+              <a:rPr lang="zh-CN" altLang="en-US" dirty="0" smtClean="0">
+                <a:latin typeface="微软雅黑" panose="020B0503020204020204" pitchFamily="34" charset="-122"/>
+                <a:ea typeface="微软雅黑" panose="020B0503020204020204" pitchFamily="34" charset="-122"/>
+              </a:rPr>
+              <a:t>通过，移动到</a:t>
+            </a:r>
+            <a:r>
+              <a:rPr lang="en-US" altLang="zh-CN" dirty="0" smtClean="0">
+                <a:latin typeface="微软雅黑" panose="020B0503020204020204" pitchFamily="34" charset="-122"/>
+                <a:ea typeface="微软雅黑" panose="020B0503020204020204" pitchFamily="34" charset="-122"/>
+              </a:rPr>
+              <a:t>deploy</a:t>
+            </a:r>
+            <a:r>
+              <a:rPr lang="zh-CN" altLang="en-US" dirty="0" smtClean="0">
+                <a:latin typeface="微软雅黑" panose="020B0503020204020204" pitchFamily="34" charset="-122"/>
+                <a:ea typeface="微软雅黑" panose="020B0503020204020204" pitchFamily="34" charset="-122"/>
+              </a:rPr>
+              <a:t>区域，准备进入预上线。</a:t>
             </a:r>
             <a:r>
               <a:rPr lang="zh-CN" altLang="en-US" b="1" dirty="0" smtClean="0">
                 <a:latin typeface="微软雅黑" panose="020B0503020204020204" pitchFamily="34" charset="-122"/>
                 <a:ea typeface="微软雅黑" panose="020B0503020204020204" pitchFamily="34" charset="-122"/>
               </a:rPr>
-              <a:t>整体技术架构</a:t>
+              <a:t>测试案例</a:t>
             </a:r>
             <a:r>
               <a:rPr lang="zh-CN" altLang="en-US" dirty="0" smtClean="0">
                 <a:latin typeface="微软雅黑" panose="020B0503020204020204" pitchFamily="34" charset="-122"/>
                 <a:ea typeface="微软雅黑" panose="020B0503020204020204" pitchFamily="34" charset="-122"/>
               </a:rPr>
-              <a:t>的更新，特别是设计到模块之间交互的部分，并进行相关人员的</a:t>
-            </a:r>
-            <a:r>
-              <a:rPr lang="zh-CN" altLang="en-US" b="1" dirty="0" smtClean="0">
+              <a:t>应该由</a:t>
+            </a:r>
+            <a:r>
+              <a:rPr lang="en-US" altLang="zh-CN" dirty="0" smtClean="0">
                 <a:latin typeface="微软雅黑" panose="020B0503020204020204" pitchFamily="34" charset="-122"/>
                 <a:ea typeface="微软雅黑" panose="020B0503020204020204" pitchFamily="34" charset="-122"/>
               </a:rPr>
-              <a:t>交叉评审</a:t>
+              <a:t>QA</a:t>
             </a:r>
             <a:r>
               <a:rPr lang="zh-CN" altLang="en-US" dirty="0" smtClean="0">
                 <a:latin typeface="微软雅黑" panose="020B0503020204020204" pitchFamily="34" charset="-122"/>
                 <a:ea typeface="微软雅黑" panose="020B0503020204020204" pitchFamily="34" charset="-122"/>
               </a:rPr>
-              <a:t>（</a:t>
-            </a:r>
-            <a:r>
-              <a:rPr lang="en-US" altLang="zh-CN" dirty="0" smtClean="0">
+              <a:t>人员在迭代开始后同步编写。</a:t>
+            </a:r>
+          </a:p>
+          <a:p>
+            <a:pPr>
+              <a:lnSpc>
+                <a:spcPct val="150000"/>
+              </a:lnSpc>
+            </a:pPr>
+            <a:r>
+              <a:rPr lang="zh-CN" altLang="en-US" b="1" dirty="0" smtClean="0">
+                <a:solidFill>
+                  <a:srgbClr val="FF0000"/>
+                </a:solidFill>
                 <a:latin typeface="微软雅黑" panose="020B0503020204020204" pitchFamily="34" charset="-122"/>
                 <a:ea typeface="微软雅黑" panose="020B0503020204020204" pitchFamily="34" charset="-122"/>
               </a:rPr>
-              <a:t>10</a:t>
-            </a:r>
-            <a:r>
-              <a:rPr lang="zh-CN" altLang="en-US" dirty="0" smtClean="0">
-                <a:latin typeface="微软雅黑" panose="020B0503020204020204" pitchFamily="34" charset="-122"/>
-                <a:ea typeface="微软雅黑" panose="020B0503020204020204" pitchFamily="34" charset="-122"/>
-              </a:rPr>
-              <a:t>到</a:t>
-            </a:r>
-            <a:r>
-              <a:rPr lang="en-US" altLang="zh-CN" dirty="0" smtClean="0">
-                <a:latin typeface="微软雅黑" panose="020B0503020204020204" pitchFamily="34" charset="-122"/>
-                <a:ea typeface="微软雅黑" panose="020B0503020204020204" pitchFamily="34" charset="-122"/>
-              </a:rPr>
-              <a:t>15</a:t>
-            </a:r>
-            <a:r>
-              <a:rPr lang="zh-CN" altLang="en-US" dirty="0" smtClean="0">
-                <a:latin typeface="微软雅黑" panose="020B0503020204020204" pitchFamily="34" charset="-122"/>
-                <a:ea typeface="微软雅黑" panose="020B0503020204020204" pitchFamily="34" charset="-122"/>
-              </a:rPr>
-              <a:t>分钟）</a:t>
-            </a:r>
-            <a:endParaRPr lang="zh-CN" altLang="en-US" dirty="0">
+              <a:t>时间要求：</a:t>
+            </a:r>
+            <a:endParaRPr lang="zh-CN" altLang="en-US" b="1" dirty="0">
+              <a:solidFill>
+                <a:srgbClr val="FF0000"/>
+              </a:solidFill>
               <a:latin typeface="微软雅黑" panose="020B0503020204020204" pitchFamily="34" charset="-122"/>
               <a:ea typeface="微软雅黑" panose="020B0503020204020204" pitchFamily="34" charset="-122"/>
             </a:endParaRPr>
@@ -20007,93 +20413,48 @@
                 <a:latin typeface="微软雅黑" panose="020B0503020204020204" pitchFamily="34" charset="-122"/>
                 <a:ea typeface="微软雅黑" panose="020B0503020204020204" pitchFamily="34" charset="-122"/>
               </a:rPr>
-              <a:t>开发人员根据分配的任务进行</a:t>
-            </a:r>
-            <a:r>
-              <a:rPr lang="zh-CN" altLang="en-US" b="1" dirty="0" smtClean="0">
-                <a:latin typeface="微软雅黑" panose="020B0503020204020204" pitchFamily="34" charset="-122"/>
-                <a:ea typeface="微软雅黑" panose="020B0503020204020204" pitchFamily="34" charset="-122"/>
-              </a:rPr>
-              <a:t>详细设计</a:t>
+              <a:t>如</a:t>
             </a:r>
             <a:r>
               <a:rPr lang="zh-CN" altLang="en-US" dirty="0" smtClean="0">
                 <a:latin typeface="微软雅黑" panose="020B0503020204020204" pitchFamily="34" charset="-122"/>
                 <a:ea typeface="微软雅黑" panose="020B0503020204020204" pitchFamily="34" charset="-122"/>
               </a:rPr>
-              <a:t>（例如</a:t>
-            </a:r>
-            <a:r>
-              <a:rPr lang="en-US" altLang="zh-CN" dirty="0" err="1" smtClean="0">
+              <a:t>本周不发起新的迭代，则开发经理应该在</a:t>
+            </a:r>
+            <a:r>
+              <a:rPr lang="zh-CN" altLang="en-US" dirty="0" smtClean="0">
+                <a:solidFill>
+                  <a:srgbClr val="FF0000"/>
+                </a:solidFill>
                 <a:latin typeface="微软雅黑" panose="020B0503020204020204" pitchFamily="34" charset="-122"/>
                 <a:ea typeface="微软雅黑" panose="020B0503020204020204" pitchFamily="34" charset="-122"/>
               </a:rPr>
-              <a:t>api</a:t>
+              <a:t>周日</a:t>
             </a:r>
             <a:r>
               <a:rPr lang="zh-CN" altLang="en-US" dirty="0" smtClean="0">
                 <a:latin typeface="微软雅黑" panose="020B0503020204020204" pitchFamily="34" charset="-122"/>
                 <a:ea typeface="微软雅黑" panose="020B0503020204020204" pitchFamily="34" charset="-122"/>
               </a:rPr>
-              <a:t>接口），并进行相关人员的交叉评审（</a:t>
-            </a:r>
-            <a:r>
-              <a:rPr lang="en-US" altLang="zh-CN" dirty="0" smtClean="0">
+              <a:t>更新开发计划；如果发起新的迭代，则在</a:t>
+            </a:r>
+            <a:r>
+              <a:rPr lang="zh-CN" altLang="en-US" dirty="0" smtClean="0">
+                <a:solidFill>
+                  <a:srgbClr val="FF0000"/>
+                </a:solidFill>
                 <a:latin typeface="微软雅黑" panose="020B0503020204020204" pitchFamily="34" charset="-122"/>
                 <a:ea typeface="微软雅黑" panose="020B0503020204020204" pitchFamily="34" charset="-122"/>
               </a:rPr>
-              <a:t>10</a:t>
+              <a:t>周日</a:t>
             </a:r>
             <a:r>
               <a:rPr lang="zh-CN" altLang="en-US" dirty="0" smtClean="0">
                 <a:latin typeface="微软雅黑" panose="020B0503020204020204" pitchFamily="34" charset="-122"/>
                 <a:ea typeface="微软雅黑" panose="020B0503020204020204" pitchFamily="34" charset="-122"/>
               </a:rPr>
-              <a:t>到</a:t>
-            </a:r>
-            <a:r>
-              <a:rPr lang="en-US" altLang="zh-CN" dirty="0" smtClean="0">
-                <a:latin typeface="微软雅黑" panose="020B0503020204020204" pitchFamily="34" charset="-122"/>
-                <a:ea typeface="微软雅黑" panose="020B0503020204020204" pitchFamily="34" charset="-122"/>
-              </a:rPr>
-              <a:t>15</a:t>
-            </a:r>
-            <a:r>
-              <a:rPr lang="zh-CN" altLang="en-US" dirty="0" smtClean="0">
-                <a:latin typeface="微软雅黑" panose="020B0503020204020204" pitchFamily="34" charset="-122"/>
-                <a:ea typeface="微软雅黑" panose="020B0503020204020204" pitchFamily="34" charset="-122"/>
-              </a:rPr>
-              <a:t>分钟）</a:t>
-            </a:r>
-          </a:p>
-          <a:p>
-            <a:pPr marL="285750" indent="-285750">
-              <a:lnSpc>
-                <a:spcPct val="150000"/>
-              </a:lnSpc>
-              <a:buFont typeface="Arial" charset="0"/>
-              <a:buChar char="•"/>
-            </a:pPr>
-            <a:r>
-              <a:rPr lang="zh-CN" altLang="en-US" dirty="0" smtClean="0">
-                <a:latin typeface="微软雅黑" panose="020B0503020204020204" pitchFamily="34" charset="-122"/>
-                <a:ea typeface="微软雅黑" panose="020B0503020204020204" pitchFamily="34" charset="-122"/>
-              </a:rPr>
-              <a:t>开发人员进行开发，优先实现接口对外服务的能力，然后是内部逻辑，最后是单元测试代码，并在测试环境上完成</a:t>
-            </a:r>
-            <a:r>
-              <a:rPr lang="zh-CN" altLang="en-US" b="1" dirty="0" smtClean="0">
-                <a:latin typeface="微软雅黑" panose="020B0503020204020204" pitchFamily="34" charset="-122"/>
-                <a:ea typeface="微软雅黑" panose="020B0503020204020204" pitchFamily="34" charset="-122"/>
-              </a:rPr>
-              <a:t>集成测试</a:t>
-            </a:r>
-            <a:r>
-              <a:rPr lang="zh-CN" altLang="en-US" dirty="0" smtClean="0">
-                <a:latin typeface="微软雅黑" panose="020B0503020204020204" pitchFamily="34" charset="-122"/>
-                <a:ea typeface="微软雅黑" panose="020B0503020204020204" pitchFamily="34" charset="-122"/>
-              </a:rPr>
-              <a:t>。</a:t>
+              <a:t>发出开发计划。</a:t>
             </a:r>
           </a:p>
           <a:p>
@@ -20103,148 +20464,36 @@
               </a:lnSpc>
             </a:pPr>
             <a:r>
-              <a:rPr lang="zh-CN" altLang="en-US" b="1" dirty="0" smtClean="0">
-                <a:solidFill>
-                  <a:srgbClr val="FF0000"/>
-                </a:solidFill>
-                <a:latin typeface="微软雅黑" panose="020B0503020204020204" pitchFamily="34" charset="-122"/>
-                <a:ea typeface="微软雅黑" panose="020B0503020204020204" pitchFamily="34" charset="-122"/>
-              </a:rPr>
-              <a:t>时间要求：</a:t>
-            </a:r>
-            <a:endParaRPr lang="zh-CN" altLang="en-US" b="1" dirty="0">
-              <a:solidFill>
-                <a:srgbClr val="FF0000"/>
-              </a:solidFill>
-              <a:latin typeface="微软雅黑" panose="020B0503020204020204" pitchFamily="34" charset="-122"/>
-              <a:ea typeface="微软雅黑" panose="020B0503020204020204" pitchFamily="34" charset="-122"/>
-            </a:endParaRPr>
-          </a:p>
-          <a:p>
-            <a:pPr>
-              <a:lnSpc>
-                <a:spcPct val="150000"/>
-              </a:lnSpc>
-            </a:pPr>
-            <a:r>
               <a:rPr lang="zh-CN" altLang="en-US" dirty="0" smtClean="0">
                 <a:latin typeface="微软雅黑" panose="020B0503020204020204" pitchFamily="34" charset="-122"/>
                 <a:ea typeface="微软雅黑" panose="020B0503020204020204" pitchFamily="34" charset="-122"/>
               </a:rPr>
-              <a:t>于</a:t>
-            </a:r>
-            <a:r>
-              <a:rPr lang="en-US" altLang="zh-CN" dirty="0" smtClean="0">
+              <a:t>其他：</a:t>
+            </a:r>
+            <a:r>
+              <a:rPr lang="zh-CN" altLang="en-US" u="sng" dirty="0" smtClean="0">
                 <a:latin typeface="微软雅黑" panose="020B0503020204020204" pitchFamily="34" charset="-122"/>
                 <a:ea typeface="微软雅黑" panose="020B0503020204020204" pitchFamily="34" charset="-122"/>
               </a:rPr>
-              <a:t>kick off</a:t>
-            </a:r>
-            <a:r>
-              <a:rPr lang="zh-CN" altLang="en-US" dirty="0" smtClean="0">
+              <a:t>每次迭代预留</a:t>
+            </a:r>
+            <a:r>
+              <a:rPr lang="en-US" altLang="zh-CN" u="sng" dirty="0" smtClean="0">
                 <a:latin typeface="微软雅黑" panose="020B0503020204020204" pitchFamily="34" charset="-122"/>
                 <a:ea typeface="微软雅黑" panose="020B0503020204020204" pitchFamily="34" charset="-122"/>
               </a:rPr>
-              <a:t>大会后正式开始，规定的迭代周期截至时结束</a:t>
-            </a:r>
-            <a:r>
-              <a:rPr lang="zh-CN" altLang="en-US" dirty="0" smtClean="0">
+              <a:t>20%</a:t>
+            </a:r>
+            <a:r>
+              <a:rPr lang="zh-CN" altLang="en-US" u="sng" dirty="0" smtClean="0">
                 <a:latin typeface="微软雅黑" panose="020B0503020204020204" pitchFamily="34" charset="-122"/>
                 <a:ea typeface="微软雅黑" panose="020B0503020204020204" pitchFamily="34" charset="-122"/>
               </a:rPr>
-              <a:t>。</a:t>
-            </a:r>
-          </a:p>
-          <a:p>
-            <a:pPr>
-              <a:lnSpc>
-                <a:spcPct val="150000"/>
-              </a:lnSpc>
-            </a:pPr>
-            <a:r>
-              <a:rPr lang="zh-CN" altLang="en-US" dirty="0" smtClean="0">
-                <a:latin typeface="微软雅黑" panose="020B0503020204020204" pitchFamily="34" charset="-122"/>
-                <a:ea typeface="微软雅黑" panose="020B0503020204020204" pitchFamily="34" charset="-122"/>
-              </a:rPr>
-              <a:t>其他：</a:t>
-            </a:r>
-          </a:p>
-          <a:p>
-            <a:pPr>
-              <a:lnSpc>
-                <a:spcPct val="150000"/>
-              </a:lnSpc>
-            </a:pPr>
-            <a:r>
-              <a:rPr lang="zh-CN" altLang="en-US" dirty="0" smtClean="0">
-                <a:latin typeface="微软雅黑" panose="020B0503020204020204" pitchFamily="34" charset="-122"/>
-                <a:ea typeface="微软雅黑" panose="020B0503020204020204" pitchFamily="34" charset="-122"/>
-              </a:rPr>
-              <a:t>每次迭代预留</a:t>
-            </a:r>
-            <a:r>
-              <a:rPr lang="en-US" altLang="zh-CN" dirty="0" smtClean="0">
-                <a:latin typeface="微软雅黑" panose="020B0503020204020204" pitchFamily="34" charset="-122"/>
-                <a:ea typeface="微软雅黑" panose="020B0503020204020204" pitchFamily="34" charset="-122"/>
-              </a:rPr>
-              <a:t>20%</a:t>
-            </a:r>
-            <a:r>
-              <a:rPr lang="zh-CN" altLang="en-US" dirty="0" smtClean="0">
-                <a:latin typeface="微软雅黑" panose="020B0503020204020204" pitchFamily="34" charset="-122"/>
-                <a:ea typeface="微软雅黑" panose="020B0503020204020204" pitchFamily="34" charset="-122"/>
-              </a:rPr>
-              <a:t>的时间解决技术债务、优化架构和接口，完善文档。</a:t>
-            </a:r>
-            <a:endParaRPr lang="zh-CN" altLang="en-US" dirty="0">
+              <a:t>的时间解决技术债务、优化架构和接口，完善文档</a:t>
+            </a:r>
+            <a:endParaRPr lang="zh-CN" altLang="en-US" u="sng" dirty="0">
               <a:latin typeface="微软雅黑" panose="020B0503020204020204" pitchFamily="34" charset="-122"/>
               <a:ea typeface="微软雅黑" panose="020B0503020204020204" pitchFamily="34" charset="-122"/>
-            </a:endParaRPr>
-          </a:p>
-        </p:txBody>
-      </p:sp>
-      <p:sp>
-        <p:nvSpPr>
-          <p:cNvPr id="8" name="文本框 7"/>
-          <p:cNvSpPr txBox="1"/>
-          <p:nvPr/>
-        </p:nvSpPr>
-        <p:spPr>
-          <a:xfrm>
-            <a:off x="182034" y="6229353"/>
-            <a:ext cx="3344333" cy="369332"/>
-          </a:xfrm>
-          <a:prstGeom prst="rect">
-            <a:avLst/>
-          </a:prstGeom>
-          <a:noFill/>
-        </p:spPr>
-        <p:txBody>
-          <a:bodyPr wrap="square" rtlCol="0">
-            <a:spAutoFit/>
-          </a:bodyPr>
-          <a:lstStyle/>
-          <a:p>
-            <a:r>
-              <a:rPr kumimoji="1" lang="zh-CN" altLang="en-US" dirty="0" smtClean="0">
-                <a:latin typeface="Microsoft YaHei" charset="0"/>
-                <a:ea typeface="Microsoft YaHei" charset="0"/>
-                <a:cs typeface="Microsoft YaHei" charset="0"/>
-              </a:rPr>
-              <a:t>＊黑体</a:t>
-            </a:r>
-            <a:r>
-              <a:rPr kumimoji="1" lang="zh-CN" altLang="en-US" smtClean="0">
-                <a:latin typeface="Microsoft YaHei" charset="0"/>
-                <a:ea typeface="Microsoft YaHei" charset="0"/>
-                <a:cs typeface="Microsoft YaHei" charset="0"/>
-              </a:rPr>
-              <a:t>为交付物</a:t>
-            </a:r>
-            <a:endParaRPr kumimoji="1" lang="zh-CN" altLang="en-US">
-              <a:latin typeface="Microsoft YaHei" charset="0"/>
-              <a:ea typeface="Microsoft YaHei" charset="0"/>
-              <a:cs typeface="Microsoft YaHei" charset="0"/>
             </a:endParaRPr>
           </a:p>
         </p:txBody>
@@ -20311,7 +20560,7 @@
           <p:nvPr>
             <p:extLst>
               <p:ext uri="{D42A27DB-BD31-4B8C-83A1-F6EECF244321}">
-                <p14:modId xmlns:p14="http://schemas.microsoft.com/office/powerpoint/2010/main" val="343749106"/>
+                <p14:modId xmlns:p14="http://schemas.microsoft.com/office/powerpoint/2010/main" val="2115754102"/>
               </p:ext>
             </p:extLst>
           </p:nvPr>
@@ -20429,20 +20678,12 @@
                     <a:lstStyle/>
                     <a:p>
                       <a:r>
-                        <a:rPr lang="en-US" altLang="zh-CN" dirty="0" smtClean="0">
+                        <a:rPr lang="zh-CN" altLang="en-US" dirty="0" smtClean="0">
                           <a:latin typeface="Microsoft YaHei" charset="0"/>
                           <a:ea typeface="Microsoft YaHei" charset="0"/>
                           <a:cs typeface="Microsoft YaHei" charset="0"/>
                         </a:rPr>
-                        <a:t>Kick</a:t>
-                      </a:r>
-                      <a:r>
-                        <a:rPr lang="en-US" altLang="zh-CN" baseline="0" dirty="0" smtClean="0">
-                          <a:latin typeface="Microsoft YaHei" charset="0"/>
-                          <a:ea typeface="Microsoft YaHei" charset="0"/>
-                          <a:cs typeface="Microsoft YaHei" charset="0"/>
-                        </a:rPr>
-                        <a:t> off</a:t>
+                        <a:t>开发计划</a:t>
                       </a:r>
                       <a:endParaRPr lang="zh-CN" altLang="en-US" dirty="0">
                         <a:latin typeface="Microsoft YaHei" charset="0"/>
@@ -20464,7 +20705,7 @@
                           <a:ea typeface="Microsoft YaHei" charset="0"/>
                           <a:cs typeface="Microsoft YaHei" charset="0"/>
                         </a:rPr>
-                        <a:t>技术经理</a:t>
+                        <a:t>开发经理</a:t>
                       </a:r>
                       <a:endParaRPr lang="zh-CN" altLang="en-US" dirty="0">
                         <a:latin typeface="Microsoft YaHei" charset="0"/>
@@ -20480,19 +20721,31 @@
                     <a:bodyPr/>
                     <a:lstStyle/>
                     <a:p>
+                      <a:pPr marL="0" marR="0" indent="0" algn="l" defTabSz="914400" rtl="0" eaLnBrk="1" fontAlgn="auto" latinLnBrk="0" hangingPunct="1">
+                        <a:lnSpc>
+                          <a:spcPct val="100000"/>
+                        </a:lnSpc>
+                        <a:spcBef>
+                          <a:spcPts val="0"/>
+                        </a:spcBef>
+                        <a:spcAft>
+                          <a:spcPts val="0"/>
+                        </a:spcAft>
+                        <a:buClrTx/>
+                        <a:buSzTx/>
+                        <a:buFontTx/>
+                        <a:buNone/>
+                        <a:tabLst/>
+                        <a:defRPr/>
+                      </a:pPr>
                       <a:r>
                         <a:rPr lang="zh-CN" altLang="en-US" dirty="0" smtClean="0">
                           <a:latin typeface="Microsoft YaHei" charset="0"/>
                           <a:ea typeface="Microsoft YaHei" charset="0"/>
                           <a:cs typeface="Microsoft YaHei" charset="0"/>
                         </a:rPr>
-                        <a:t>会上介绍需求和开发计划，全体人员讨论</a:t>
+                        <a:t>需求分解，计划到人、到天</a:t>
                       </a:r>
-                      <a:endParaRPr lang="zh-CN" altLang="en-US" dirty="0">
-                        <a:latin typeface="Microsoft YaHei" charset="0"/>
-                        <a:ea typeface="Microsoft YaHei" charset="0"/>
-                        <a:cs typeface="Microsoft YaHei" charset="0"/>
-                      </a:endParaRPr>
                     </a:p>
                   </a:txBody>
                   <a:tcPr/>
@@ -20502,19 +20755,31 @@
                     <a:bodyPr/>
                     <a:lstStyle/>
                     <a:p>
+                      <a:pPr marL="0" marR="0" indent="0" algn="l" defTabSz="914400" rtl="0" eaLnBrk="1" fontAlgn="auto" latinLnBrk="0" hangingPunct="1">
+                        <a:lnSpc>
+                          <a:spcPct val="100000"/>
+                        </a:lnSpc>
+                        <a:spcBef>
+                          <a:spcPts val="0"/>
+                        </a:spcBef>
+                        <a:spcAft>
+                          <a:spcPts val="0"/>
+                        </a:spcAft>
+                        <a:buClrTx/>
+                        <a:buSzTx/>
+                        <a:buFontTx/>
+                        <a:buNone/>
+                        <a:tabLst/>
+                        <a:defRPr/>
+                      </a:pPr>
                       <a:r>
                         <a:rPr lang="zh-CN" altLang="en-US" dirty="0" smtClean="0">
                           <a:latin typeface="Microsoft YaHei" charset="0"/>
                           <a:ea typeface="Microsoft YaHei" charset="0"/>
                           <a:cs typeface="Microsoft YaHei" charset="0"/>
                         </a:rPr>
-                        <a:t>会议，邮件确定开发计划</a:t>
+                        <a:t>文档，邮件和协作</a:t>
                       </a:r>
-                      <a:endParaRPr lang="zh-CN" altLang="en-US" dirty="0">
-                        <a:latin typeface="Microsoft YaHei" charset="0"/>
-                        <a:ea typeface="Microsoft YaHei" charset="0"/>
-                        <a:cs typeface="Microsoft YaHei" charset="0"/>
-                      </a:endParaRPr>
                     </a:p>
                   </a:txBody>
                   <a:tcPr/>
@@ -20554,7 +20819,7 @@
                           <a:ea typeface="Microsoft YaHei" charset="0"/>
                           <a:cs typeface="Microsoft YaHei" charset="0"/>
                         </a:rPr>
-                        <a:t>技术经理</a:t>
+                        <a:t>开发经理</a:t>
                       </a:r>
                       <a:endParaRPr lang="zh-CN" altLang="en-US" dirty="0">
                         <a:latin typeface="Microsoft YaHei" charset="0"/>
@@ -20622,7 +20887,7 @@
                           <a:ea typeface="Microsoft YaHei" charset="0"/>
                           <a:cs typeface="Microsoft YaHei" charset="0"/>
                         </a:rPr>
-                        <a:t>整体技术架构</a:t>
+                        <a:t>前后台技术架构</a:t>
                       </a:r>
                       <a:endParaRPr lang="zh-CN" altLang="en-US" dirty="0">
                         <a:latin typeface="Microsoft YaHei" charset="0"/>
@@ -20644,7 +20909,23 @@
                           <a:ea typeface="Microsoft YaHei" charset="0"/>
                           <a:cs typeface="Microsoft YaHei" charset="0"/>
                         </a:rPr>
-                        <a:t>技术经理</a:t>
+                        <a:t>开发</a:t>
+                      </a:r>
+                      <a:r>
+                        <a:rPr lang="zh-CN" altLang="en-US" dirty="0" smtClean="0">
+                          <a:latin typeface="Microsoft YaHei" charset="0"/>
+                          <a:ea typeface="Microsoft YaHei" charset="0"/>
+                          <a:cs typeface="Microsoft YaHei" charset="0"/>
+                        </a:rPr>
+                        <a:t>经理、</a:t>
+                      </a:r>
+                      <a:r>
+                        <a:rPr lang="zh-CN" altLang="en-US" dirty="0" smtClean="0">
+                          <a:latin typeface="Microsoft YaHei" charset="0"/>
+                          <a:ea typeface="Microsoft YaHei" charset="0"/>
+                          <a:cs typeface="Microsoft YaHei" charset="0"/>
+                        </a:rPr>
+                        <a:t>架构师</a:t>
                       </a:r>
                       <a:endParaRPr lang="zh-CN" altLang="en-US" dirty="0">
                         <a:latin typeface="Microsoft YaHei" charset="0"/>
@@ -20834,7 +21115,37 @@
                           <a:ea typeface="Microsoft YaHei" charset="0"/>
                           <a:cs typeface="Microsoft YaHei" charset="0"/>
                         </a:rPr>
-                        <a:t>集成测试</a:t>
+                        <a:t>测试案例</a:t>
+                      </a:r>
+                      <a:endParaRPr lang="zh-CN" altLang="en-US" dirty="0">
+                        <a:latin typeface="Microsoft YaHei" charset="0"/>
+                        <a:ea typeface="Microsoft YaHei" charset="0"/>
+                        <a:cs typeface="Microsoft YaHei" charset="0"/>
+                      </a:endParaRPr>
+                    </a:p>
+                  </a:txBody>
+                  <a:tcPr/>
+                </a:tc>
+                <a:tc>
+                  <a:txBody>
+                    <a:bodyPr/>
+                    <a:lstStyle/>
+                    <a:p>
+                      <a:r>
+                        <a:rPr lang="en-US" altLang="zh-CN" dirty="0" smtClean="0">
+                          <a:latin typeface="Microsoft YaHei" charset="0"/>
+                          <a:ea typeface="Microsoft YaHei" charset="0"/>
+                          <a:cs typeface="Microsoft YaHei" charset="0"/>
+                        </a:rPr>
+                        <a:t>QA</a:t>
+                      </a:r>
+                      <a:r>
+                        <a:rPr lang="zh-CN" altLang="en-US" dirty="0" smtClean="0">
+                          <a:latin typeface="Microsoft YaHei" charset="0"/>
+                          <a:ea typeface="Microsoft YaHei" charset="0"/>
+                          <a:cs typeface="Microsoft YaHei" charset="0"/>
+                        </a:rPr>
+                        <a:t>人员</a:t>
                       </a:r>
                       <a:endParaRPr lang="zh-CN" altLang="en-US" dirty="0">
                         <a:latin typeface="Microsoft YaHei" charset="0"/>
@@ -20856,22 +21167,8 @@
                           <a:ea typeface="Microsoft YaHei" charset="0"/>
                           <a:cs typeface="Microsoft YaHei" charset="0"/>
                         </a:rPr>
-                        <a:t>开发人员</a:t>
+                        <a:t>功能测试、性能测试、高可用测试、可扩展测试</a:t>
                       </a:r>
-                      <a:endParaRPr lang="zh-CN" altLang="en-US" dirty="0">
-                        <a:latin typeface="Microsoft YaHei" charset="0"/>
-                        <a:ea typeface="Microsoft YaHei" charset="0"/>
-                        <a:cs typeface="Microsoft YaHei" charset="0"/>
-                      </a:endParaRPr>
-                    </a:p>
-                  </a:txBody>
-                  <a:tcPr/>
-                </a:tc>
-                <a:tc>
-                  <a:txBody>
-                    <a:bodyPr/>
-                    <a:lstStyle/>
-                    <a:p>
                       <a:endParaRPr lang="zh-CN" altLang="en-US" dirty="0">
                         <a:latin typeface="Microsoft YaHei" charset="0"/>
                         <a:ea typeface="Microsoft YaHei" charset="0"/>
@@ -20892,7 +21189,7 @@
                           <a:ea typeface="Microsoft YaHei" charset="0"/>
                           <a:cs typeface="Microsoft YaHei" charset="0"/>
                         </a:rPr>
-                        <a:t>代码</a:t>
+                        <a:t>测试文档</a:t>
                       </a:r>
                       <a:endParaRPr lang="zh-CN" altLang="en-US" dirty="0">
                         <a:latin typeface="Microsoft YaHei" charset="0"/>
